--- a/docs/resources/Fig1.pptx
+++ b/docs/resources/Fig1.pptx
@@ -104,6 +104,11 @@
       </a:defRPr>
     </a:lvl9pPr>
   </p:defaultTextStyle>
+  <p:extLst>
+    <p:ext uri="{EFAFB233-063F-42B5-8137-9DF3F51BA10A}">
+      <p15:sldGuideLst xmlns:p15="http://schemas.microsoft.com/office/powerpoint/2012/main"/>
+    </p:ext>
+  </p:extLst>
 </p:presentation>
 </file>
 
@@ -254,7 +259,7 @@
           <a:p>
             <a:fld id="{1906EB93-16A7-47B1-A0F6-F70FF514944F}" type="datetimeFigureOut">
               <a:rPr lang="es-ES" smtClean="0"/>
-              <a:t>01/05/2019</a:t>
+              <a:t>10/05/2019</a:t>
             </a:fld>
             <a:endParaRPr lang="es-ES"/>
           </a:p>
@@ -452,7 +457,7 @@
           <a:p>
             <a:fld id="{1906EB93-16A7-47B1-A0F6-F70FF514944F}" type="datetimeFigureOut">
               <a:rPr lang="es-ES" smtClean="0"/>
-              <a:t>01/05/2019</a:t>
+              <a:t>10/05/2019</a:t>
             </a:fld>
             <a:endParaRPr lang="es-ES"/>
           </a:p>
@@ -660,7 +665,7 @@
           <a:p>
             <a:fld id="{1906EB93-16A7-47B1-A0F6-F70FF514944F}" type="datetimeFigureOut">
               <a:rPr lang="es-ES" smtClean="0"/>
-              <a:t>01/05/2019</a:t>
+              <a:t>10/05/2019</a:t>
             </a:fld>
             <a:endParaRPr lang="es-ES"/>
           </a:p>
@@ -858,7 +863,7 @@
           <a:p>
             <a:fld id="{1906EB93-16A7-47B1-A0F6-F70FF514944F}" type="datetimeFigureOut">
               <a:rPr lang="es-ES" smtClean="0"/>
-              <a:t>01/05/2019</a:t>
+              <a:t>10/05/2019</a:t>
             </a:fld>
             <a:endParaRPr lang="es-ES"/>
           </a:p>
@@ -1133,7 +1138,7 @@
           <a:p>
             <a:fld id="{1906EB93-16A7-47B1-A0F6-F70FF514944F}" type="datetimeFigureOut">
               <a:rPr lang="es-ES" smtClean="0"/>
-              <a:t>01/05/2019</a:t>
+              <a:t>10/05/2019</a:t>
             </a:fld>
             <a:endParaRPr lang="es-ES"/>
           </a:p>
@@ -1398,7 +1403,7 @@
           <a:p>
             <a:fld id="{1906EB93-16A7-47B1-A0F6-F70FF514944F}" type="datetimeFigureOut">
               <a:rPr lang="es-ES" smtClean="0"/>
-              <a:t>01/05/2019</a:t>
+              <a:t>10/05/2019</a:t>
             </a:fld>
             <a:endParaRPr lang="es-ES"/>
           </a:p>
@@ -1810,7 +1815,7 @@
           <a:p>
             <a:fld id="{1906EB93-16A7-47B1-A0F6-F70FF514944F}" type="datetimeFigureOut">
               <a:rPr lang="es-ES" smtClean="0"/>
-              <a:t>01/05/2019</a:t>
+              <a:t>10/05/2019</a:t>
             </a:fld>
             <a:endParaRPr lang="es-ES"/>
           </a:p>
@@ -1951,7 +1956,7 @@
           <a:p>
             <a:fld id="{1906EB93-16A7-47B1-A0F6-F70FF514944F}" type="datetimeFigureOut">
               <a:rPr lang="es-ES" smtClean="0"/>
-              <a:t>01/05/2019</a:t>
+              <a:t>10/05/2019</a:t>
             </a:fld>
             <a:endParaRPr lang="es-ES"/>
           </a:p>
@@ -2064,7 +2069,7 @@
           <a:p>
             <a:fld id="{1906EB93-16A7-47B1-A0F6-F70FF514944F}" type="datetimeFigureOut">
               <a:rPr lang="es-ES" smtClean="0"/>
-              <a:t>01/05/2019</a:t>
+              <a:t>10/05/2019</a:t>
             </a:fld>
             <a:endParaRPr lang="es-ES"/>
           </a:p>
@@ -2375,7 +2380,7 @@
           <a:p>
             <a:fld id="{1906EB93-16A7-47B1-A0F6-F70FF514944F}" type="datetimeFigureOut">
               <a:rPr lang="es-ES" smtClean="0"/>
-              <a:t>01/05/2019</a:t>
+              <a:t>10/05/2019</a:t>
             </a:fld>
             <a:endParaRPr lang="es-ES"/>
           </a:p>
@@ -2663,7 +2668,7 @@
           <a:p>
             <a:fld id="{1906EB93-16A7-47B1-A0F6-F70FF514944F}" type="datetimeFigureOut">
               <a:rPr lang="es-ES" smtClean="0"/>
-              <a:t>01/05/2019</a:t>
+              <a:t>10/05/2019</a:t>
             </a:fld>
             <a:endParaRPr lang="es-ES"/>
           </a:p>
@@ -2904,7 +2909,7 @@
           <a:p>
             <a:fld id="{1906EB93-16A7-47B1-A0F6-F70FF514944F}" type="datetimeFigureOut">
               <a:rPr lang="es-ES" smtClean="0"/>
-              <a:t>01/05/2019</a:t>
+              <a:t>10/05/2019</a:t>
             </a:fld>
             <a:endParaRPr lang="es-ES"/>
           </a:p>
@@ -3323,10 +3328,10 @@
       </p:grpSpPr>
       <p:grpSp>
         <p:nvGrpSpPr>
-          <p:cNvPr id="4" name="Grupo 3">
-            <a:extLst>
-              <a:ext uri="{FF2B5EF4-FFF2-40B4-BE49-F238E27FC236}">
-                <a16:creationId xmlns:a16="http://schemas.microsoft.com/office/drawing/2014/main" id="{BEBBB327-3A46-49A8-A3EE-51C337190DA9}"/>
+          <p:cNvPr id="164" name="Grupo 163">
+            <a:extLst>
+              <a:ext uri="{FF2B5EF4-FFF2-40B4-BE49-F238E27FC236}">
+                <a16:creationId xmlns:a16="http://schemas.microsoft.com/office/drawing/2014/main" id="{47FBCFC9-B5CC-48FA-B726-D9A0FF0D576F}"/>
               </a:ext>
             </a:extLst>
           </p:cNvPr>
@@ -3335,18 +3340,93 @@
         </p:nvGrpSpPr>
         <p:grpSpPr>
           <a:xfrm>
-            <a:off x="136944" y="103087"/>
-            <a:ext cx="11801304" cy="6654911"/>
-            <a:chOff x="564330" y="0"/>
-            <a:chExt cx="6131401" cy="3458095"/>
+            <a:off x="1007430" y="132281"/>
+            <a:ext cx="6107050" cy="6226732"/>
+            <a:chOff x="3479240" y="103087"/>
+            <a:chExt cx="4556520" cy="4645816"/>
           </a:xfrm>
         </p:grpSpPr>
+        <p:sp>
+          <p:nvSpPr>
+            <p:cNvPr id="152" name="CuadroTexto 30">
+              <a:extLst>
+                <a:ext uri="{FF2B5EF4-FFF2-40B4-BE49-F238E27FC236}">
+                  <a16:creationId xmlns:a16="http://schemas.microsoft.com/office/drawing/2014/main" id="{31FB2620-D81D-417B-B430-F13067E85CA3}"/>
+                </a:ext>
+              </a:extLst>
+            </p:cNvPr>
+            <p:cNvSpPr txBox="1"/>
+            <p:nvPr/>
+          </p:nvSpPr>
+          <p:spPr>
+            <a:xfrm>
+              <a:off x="5992321" y="2179282"/>
+              <a:ext cx="920320" cy="316170"/>
+            </a:xfrm>
+            <a:prstGeom prst="rect">
+              <a:avLst/>
+            </a:prstGeom>
+            <a:noFill/>
+            <a:ln w="9525">
+              <a:noFill/>
+            </a:ln>
+          </p:spPr>
+          <p:style>
+            <a:lnRef idx="2">
+              <a:schemeClr val="accent5">
+                <a:shade val="50000"/>
+              </a:schemeClr>
+            </a:lnRef>
+            <a:fillRef idx="1">
+              <a:schemeClr val="accent5"/>
+            </a:fillRef>
+            <a:effectRef idx="0">
+              <a:schemeClr val="accent5"/>
+            </a:effectRef>
+            <a:fontRef idx="minor">
+              <a:schemeClr val="lt1"/>
+            </a:fontRef>
+          </p:style>
+          <p:txBody>
+            <a:bodyPr wrap="square" rtlCol="0">
+              <a:noAutofit/>
+            </a:bodyPr>
+            <a:lstStyle/>
+            <a:p>
+              <a:pPr>
+                <a:lnSpc>
+                  <a:spcPct val="107000"/>
+                </a:lnSpc>
+                <a:spcAft>
+                  <a:spcPts val="800"/>
+                </a:spcAft>
+              </a:pPr>
+              <a:r>
+                <a:rPr lang="es-ES" sz="1700" kern="1200" dirty="0">
+                  <a:solidFill>
+                    <a:srgbClr val="000000"/>
+                  </a:solidFill>
+                  <a:effectLst/>
+                  <a:latin typeface="Cambria Math" panose="02040503050406030204" pitchFamily="18" charset="0"/>
+                  <a:ea typeface="Calibri" panose="020F0502020204030204" pitchFamily="34" charset="0"/>
+                  <a:cs typeface="Times New Roman" panose="02020603050405020304" pitchFamily="18" charset="0"/>
+                </a:rPr>
+                <a:t>No</a:t>
+              </a:r>
+              <a:endParaRPr lang="es-ES" sz="1700" dirty="0">
+                <a:effectLst/>
+                <a:ea typeface="Calibri" panose="020F0502020204030204" pitchFamily="34" charset="0"/>
+                <a:cs typeface="Times New Roman" panose="02020603050405020304" pitchFamily="18" charset="0"/>
+              </a:endParaRPr>
+            </a:p>
+          </p:txBody>
+        </p:sp>
         <p:grpSp>
           <p:nvGrpSpPr>
-            <p:cNvPr id="5" name="Grupo 4">
+            <p:cNvPr id="138" name="Grupo 137">
               <a:extLst>
                 <a:ext uri="{FF2B5EF4-FFF2-40B4-BE49-F238E27FC236}">
-                  <a16:creationId xmlns:a16="http://schemas.microsoft.com/office/drawing/2014/main" id="{A318BBE6-BFA8-4E95-B828-7EC140B90DD1}"/>
+                  <a16:creationId xmlns:a16="http://schemas.microsoft.com/office/drawing/2014/main" id="{891BFAF9-4CD0-4063-880D-56B0E99F9892}"/>
                 </a:ext>
               </a:extLst>
             </p:cNvPr>
@@ -3355,18 +3435,18 @@
           </p:nvGrpSpPr>
           <p:grpSpPr>
             <a:xfrm>
-              <a:off x="564330" y="0"/>
-              <a:ext cx="6131401" cy="3458095"/>
-              <a:chOff x="564330" y="-3343274"/>
-              <a:chExt cx="6131401" cy="3458095"/>
+              <a:off x="3479240" y="103087"/>
+              <a:ext cx="4556520" cy="4645816"/>
+              <a:chOff x="3479240" y="103087"/>
+              <a:chExt cx="4556520" cy="4645816"/>
             </a:xfrm>
           </p:grpSpPr>
           <p:grpSp>
             <p:nvGrpSpPr>
-              <p:cNvPr id="7" name="Grupo 6">
+              <p:cNvPr id="105" name="Grupo 104">
                 <a:extLst>
                   <a:ext uri="{FF2B5EF4-FFF2-40B4-BE49-F238E27FC236}">
-                    <a16:creationId xmlns:a16="http://schemas.microsoft.com/office/drawing/2014/main" id="{ADC44E3B-52A3-4592-98D8-4799C54BF9E2}"/>
+                    <a16:creationId xmlns:a16="http://schemas.microsoft.com/office/drawing/2014/main" id="{471C19B3-D7B4-49DE-B968-F58DE0A8C510}"/>
                   </a:ext>
                 </a:extLst>
               </p:cNvPr>
@@ -3375,61 +3455,1274 @@
             </p:nvGrpSpPr>
             <p:grpSpPr>
               <a:xfrm>
-                <a:off x="5281959" y="-3343274"/>
-                <a:ext cx="1413772" cy="3458095"/>
-                <a:chOff x="5281959" y="-3343274"/>
-                <a:chExt cx="1413772" cy="3458095"/>
+                <a:off x="3479240" y="103087"/>
+                <a:ext cx="4556520" cy="4645816"/>
+                <a:chOff x="5811380" y="103087"/>
+                <a:chExt cx="4556520" cy="4645816"/>
               </a:xfrm>
             </p:grpSpPr>
-            <p:cxnSp>
-              <p:nvCxnSpPr>
-                <p:cNvPr id="24" name="Conector recto de flecha 23">
+            <p:grpSp>
+              <p:nvGrpSpPr>
+                <p:cNvPr id="4" name="Grupo 3">
                   <a:extLst>
                     <a:ext uri="{FF2B5EF4-FFF2-40B4-BE49-F238E27FC236}">
-                      <a16:creationId xmlns:a16="http://schemas.microsoft.com/office/drawing/2014/main" id="{3EC8C2B3-D255-442D-B3A8-297B2BAA53D9}"/>
+                      <a16:creationId xmlns:a16="http://schemas.microsoft.com/office/drawing/2014/main" id="{BEBBB327-3A46-49A8-A3EE-51C337190DA9}"/>
                     </a:ext>
                   </a:extLst>
                 </p:cNvPr>
-                <p:cNvCxnSpPr>
-                  <a:cxnSpLocks/>
-                  <a:stCxn id="27" idx="2"/>
-                  <a:endCxn id="33" idx="0"/>
-                </p:cNvCxnSpPr>
+                <p:cNvGrpSpPr/>
                 <p:nvPr/>
-              </p:nvCxnSpPr>
-              <p:spPr>
+              </p:nvGrpSpPr>
+              <p:grpSpPr>
                 <a:xfrm>
-                  <a:off x="5987604" y="-1843669"/>
-                  <a:ext cx="1240" cy="532840"/>
+                  <a:off x="5811380" y="103087"/>
+                  <a:ext cx="4556520" cy="4645816"/>
+                  <a:chOff x="3512500" y="0"/>
+                  <a:chExt cx="2367353" cy="2414108"/>
                 </a:xfrm>
-                <a:prstGeom prst="straightConnector1">
-                  <a:avLst/>
-                </a:prstGeom>
-                <a:ln w="19050">
-                  <a:tailEnd type="triangle" w="lg" len="lg"/>
-                </a:ln>
-              </p:spPr>
-              <p:style>
-                <a:lnRef idx="1">
-                  <a:schemeClr val="dk1"/>
-                </a:lnRef>
-                <a:fillRef idx="0">
-                  <a:schemeClr val="dk1"/>
-                </a:fillRef>
-                <a:effectRef idx="0">
-                  <a:schemeClr val="dk1"/>
-                </a:effectRef>
-                <a:fontRef idx="minor">
-                  <a:schemeClr val="tx1"/>
-                </a:fontRef>
-              </p:style>
-            </p:cxnSp>
+              </p:grpSpPr>
+              <p:grpSp>
+                <p:nvGrpSpPr>
+                  <p:cNvPr id="5" name="Grupo 4">
+                    <a:extLst>
+                      <a:ext uri="{FF2B5EF4-FFF2-40B4-BE49-F238E27FC236}">
+                        <a16:creationId xmlns:a16="http://schemas.microsoft.com/office/drawing/2014/main" id="{A318BBE6-BFA8-4E95-B828-7EC140B90DD1}"/>
+                      </a:ext>
+                    </a:extLst>
+                  </p:cNvPr>
+                  <p:cNvGrpSpPr/>
+                  <p:nvPr/>
+                </p:nvGrpSpPr>
+                <p:grpSpPr>
+                  <a:xfrm>
+                    <a:off x="3512500" y="0"/>
+                    <a:ext cx="2367353" cy="2414108"/>
+                    <a:chOff x="3512500" y="-3343274"/>
+                    <a:chExt cx="2367353" cy="2414108"/>
+                  </a:xfrm>
+                </p:grpSpPr>
+                <p:grpSp>
+                  <p:nvGrpSpPr>
+                    <p:cNvPr id="7" name="Grupo 6">
+                      <a:extLst>
+                        <a:ext uri="{FF2B5EF4-FFF2-40B4-BE49-F238E27FC236}">
+                          <a16:creationId xmlns:a16="http://schemas.microsoft.com/office/drawing/2014/main" id="{ADC44E3B-52A3-4592-98D8-4799C54BF9E2}"/>
+                        </a:ext>
+                      </a:extLst>
+                    </p:cNvPr>
+                    <p:cNvGrpSpPr/>
+                    <p:nvPr/>
+                  </p:nvGrpSpPr>
+                  <p:grpSpPr>
+                    <a:xfrm>
+                      <a:off x="4381771" y="-3343274"/>
+                      <a:ext cx="1498082" cy="1155892"/>
+                      <a:chOff x="4381771" y="-3343274"/>
+                      <a:chExt cx="1498082" cy="1155892"/>
+                    </a:xfrm>
+                  </p:grpSpPr>
+                  <p:cxnSp>
+                    <p:nvCxnSpPr>
+                      <p:cNvPr id="24" name="Conector recto de flecha 23">
+                        <a:extLst>
+                          <a:ext uri="{FF2B5EF4-FFF2-40B4-BE49-F238E27FC236}">
+                            <a16:creationId xmlns:a16="http://schemas.microsoft.com/office/drawing/2014/main" id="{3EC8C2B3-D255-442D-B3A8-297B2BAA53D9}"/>
+                          </a:ext>
+                        </a:extLst>
+                      </p:cNvPr>
+                      <p:cNvCxnSpPr>
+                        <a:cxnSpLocks/>
+                        <a:stCxn id="27" idx="2"/>
+                        <a:endCxn id="33" idx="0"/>
+                      </p:cNvCxnSpPr>
+                      <p:nvPr/>
+                    </p:nvCxnSpPr>
+                    <p:spPr>
+                      <a:xfrm flipH="1">
+                        <a:off x="4814636" y="-2725234"/>
+                        <a:ext cx="1" cy="124360"/>
+                      </a:xfrm>
+                      <a:prstGeom prst="straightConnector1">
+                        <a:avLst/>
+                      </a:prstGeom>
+                      <a:ln w="9525">
+                        <a:tailEnd type="triangle" w="lg" len="med"/>
+                      </a:ln>
+                    </p:spPr>
+                    <p:style>
+                      <a:lnRef idx="1">
+                        <a:schemeClr val="dk1"/>
+                      </a:lnRef>
+                      <a:fillRef idx="0">
+                        <a:schemeClr val="dk1"/>
+                      </a:fillRef>
+                      <a:effectRef idx="0">
+                        <a:schemeClr val="dk1"/>
+                      </a:effectRef>
+                      <a:fontRef idx="minor">
+                        <a:schemeClr val="tx1"/>
+                      </a:fontRef>
+                    </p:style>
+                  </p:cxnSp>
+                  <p:sp>
+                    <p:nvSpPr>
+                      <p:cNvPr id="25" name="CuadroTexto 23">
+                        <a:extLst>
+                          <a:ext uri="{FF2B5EF4-FFF2-40B4-BE49-F238E27FC236}">
+                            <a16:creationId xmlns:a16="http://schemas.microsoft.com/office/drawing/2014/main" id="{A6A36952-2330-48BB-8DE3-C750014BB7A8}"/>
+                          </a:ext>
+                        </a:extLst>
+                      </p:cNvPr>
+                      <p:cNvSpPr txBox="1"/>
+                      <p:nvPr/>
+                    </p:nvSpPr>
+                    <p:spPr>
+                      <a:xfrm>
+                        <a:off x="4478221" y="-3343274"/>
+                        <a:ext cx="674221" cy="247216"/>
+                      </a:xfrm>
+                      <a:prstGeom prst="rect">
+                        <a:avLst/>
+                      </a:prstGeom>
+                      <a:noFill/>
+                      <a:ln w="9525">
+                        <a:solidFill>
+                          <a:schemeClr val="tx1"/>
+                        </a:solidFill>
+                      </a:ln>
+                    </p:spPr>
+                    <p:style>
+                      <a:lnRef idx="2">
+                        <a:schemeClr val="accent5">
+                          <a:shade val="50000"/>
+                        </a:schemeClr>
+                      </a:lnRef>
+                      <a:fillRef idx="1">
+                        <a:schemeClr val="accent5"/>
+                      </a:fillRef>
+                      <a:effectRef idx="0">
+                        <a:schemeClr val="accent5"/>
+                      </a:effectRef>
+                      <a:fontRef idx="minor">
+                        <a:schemeClr val="lt1"/>
+                      </a:fontRef>
+                    </p:style>
+                    <p:txBody>
+                      <a:bodyPr wrap="square" rtlCol="0" anchor="ctr">
+                        <a:noAutofit/>
+                      </a:bodyPr>
+                      <a:lstStyle/>
+                      <a:p>
+                        <a:pPr algn="ctr">
+                          <a:spcAft>
+                            <a:spcPts val="0"/>
+                          </a:spcAft>
+                        </a:pPr>
+                        <a:r>
+                          <a:rPr lang="en-US" sz="1700" dirty="0">
+                            <a:effectLst/>
+                            <a:ea typeface="Calibri" panose="020F0502020204030204" pitchFamily="34" charset="0"/>
+                            <a:cs typeface="Times New Roman" panose="02020603050405020304" pitchFamily="18" charset="0"/>
+                          </a:rPr>
+                          <a:t>  </a:t>
+                        </a:r>
+                        <a:r>
+                          <a:rPr lang="en-US" sz="1700" kern="1200" dirty="0">
+                            <a:solidFill>
+                              <a:srgbClr val="000000"/>
+                            </a:solidFill>
+                            <a:effectLst/>
+                            <a:latin typeface="Cambria Math" panose="02040503050406030204" pitchFamily="18" charset="0"/>
+                            <a:ea typeface="Calibri" panose="020F0502020204030204" pitchFamily="34" charset="0"/>
+                            <a:cs typeface="Times New Roman" panose="02020603050405020304" pitchFamily="18" charset="0"/>
+                          </a:rPr>
+                          <a:t>Generación de una población</a:t>
+                        </a:r>
+                        <a:endParaRPr lang="es-ES" sz="1700" dirty="0">
+                          <a:effectLst/>
+                          <a:ea typeface="Calibri" panose="020F0502020204030204" pitchFamily="34" charset="0"/>
+                          <a:cs typeface="Times New Roman" panose="02020603050405020304" pitchFamily="18" charset="0"/>
+                        </a:endParaRPr>
+                      </a:p>
+                    </p:txBody>
+                  </p:sp>
+                  <p:cxnSp>
+                    <p:nvCxnSpPr>
+                      <p:cNvPr id="26" name="Conector recto de flecha 25">
+                        <a:extLst>
+                          <a:ext uri="{FF2B5EF4-FFF2-40B4-BE49-F238E27FC236}">
+                            <a16:creationId xmlns:a16="http://schemas.microsoft.com/office/drawing/2014/main" id="{B4E37B6B-2CEE-47DC-9924-150625A99B4E}"/>
+                          </a:ext>
+                        </a:extLst>
+                      </p:cNvPr>
+                      <p:cNvCxnSpPr>
+                        <a:cxnSpLocks/>
+                        <a:stCxn id="25" idx="2"/>
+                        <a:endCxn id="27" idx="0"/>
+                      </p:cNvCxnSpPr>
+                      <p:nvPr/>
+                    </p:nvCxnSpPr>
+                    <p:spPr>
+                      <a:xfrm flipH="1">
+                        <a:off x="4814636" y="-3096058"/>
+                        <a:ext cx="696" cy="123608"/>
+                      </a:xfrm>
+                      <a:prstGeom prst="straightConnector1">
+                        <a:avLst/>
+                      </a:prstGeom>
+                      <a:ln w="9525">
+                        <a:tailEnd type="triangle" w="lg" len="med"/>
+                      </a:ln>
+                    </p:spPr>
+                    <p:style>
+                      <a:lnRef idx="1">
+                        <a:schemeClr val="dk1"/>
+                      </a:lnRef>
+                      <a:fillRef idx="0">
+                        <a:schemeClr val="dk1"/>
+                      </a:fillRef>
+                      <a:effectRef idx="0">
+                        <a:schemeClr val="dk1"/>
+                      </a:effectRef>
+                      <a:fontRef idx="minor">
+                        <a:schemeClr val="tx1"/>
+                      </a:fontRef>
+                    </p:style>
+                  </p:cxnSp>
+                  <p:sp>
+                    <p:nvSpPr>
+                      <p:cNvPr id="27" name="CuadroTexto 25">
+                        <a:extLst>
+                          <a:ext uri="{FF2B5EF4-FFF2-40B4-BE49-F238E27FC236}">
+                            <a16:creationId xmlns:a16="http://schemas.microsoft.com/office/drawing/2014/main" id="{C3825528-C256-4CF8-AAEC-7217E6C88584}"/>
+                          </a:ext>
+                        </a:extLst>
+                      </p:cNvPr>
+                      <p:cNvSpPr txBox="1"/>
+                      <p:nvPr/>
+                    </p:nvSpPr>
+                    <p:spPr>
+                      <a:xfrm>
+                        <a:off x="4477525" y="-2972450"/>
+                        <a:ext cx="674222" cy="247216"/>
+                      </a:xfrm>
+                      <a:prstGeom prst="rect">
+                        <a:avLst/>
+                      </a:prstGeom>
+                      <a:noFill/>
+                      <a:ln w="9525">
+                        <a:solidFill>
+                          <a:schemeClr val="tx1"/>
+                        </a:solidFill>
+                      </a:ln>
+                    </p:spPr>
+                    <p:style>
+                      <a:lnRef idx="2">
+                        <a:schemeClr val="accent5">
+                          <a:shade val="50000"/>
+                        </a:schemeClr>
+                      </a:lnRef>
+                      <a:fillRef idx="1">
+                        <a:schemeClr val="accent5"/>
+                      </a:fillRef>
+                      <a:effectRef idx="0">
+                        <a:schemeClr val="accent5"/>
+                      </a:effectRef>
+                      <a:fontRef idx="minor">
+                        <a:schemeClr val="lt1"/>
+                      </a:fontRef>
+                    </p:style>
+                    <p:txBody>
+                      <a:bodyPr wrap="square" rtlCol="0" anchor="ctr">
+                        <a:noAutofit/>
+                      </a:bodyPr>
+                      <a:lstStyle/>
+                      <a:p>
+                        <a:pPr algn="ctr">
+                          <a:spcAft>
+                            <a:spcPts val="0"/>
+                          </a:spcAft>
+                        </a:pPr>
+                        <a:r>
+                          <a:rPr lang="en-US" sz="1700" kern="1200" dirty="0">
+                            <a:solidFill>
+                              <a:srgbClr val="000000"/>
+                            </a:solidFill>
+                            <a:effectLst/>
+                            <a:latin typeface="Cambria Math" panose="02040503050406030204" pitchFamily="18" charset="0"/>
+                            <a:ea typeface="Calibri" panose="020F0502020204030204" pitchFamily="34" charset="0"/>
+                            <a:cs typeface="Times New Roman" panose="02020603050405020304" pitchFamily="18" charset="0"/>
+                          </a:rPr>
+                          <a:t>Evaluación de la población</a:t>
+                        </a:r>
+                        <a:endParaRPr lang="es-ES" sz="1700" dirty="0">
+                          <a:effectLst/>
+                          <a:ea typeface="Calibri" panose="020F0502020204030204" pitchFamily="34" charset="0"/>
+                          <a:cs typeface="Times New Roman" panose="02020603050405020304" pitchFamily="18" charset="0"/>
+                        </a:endParaRPr>
+                      </a:p>
+                    </p:txBody>
+                  </p:sp>
+                  <p:grpSp>
+                    <p:nvGrpSpPr>
+                      <p:cNvPr id="28" name="Grupo 27">
+                        <a:extLst>
+                          <a:ext uri="{FF2B5EF4-FFF2-40B4-BE49-F238E27FC236}">
+                            <a16:creationId xmlns:a16="http://schemas.microsoft.com/office/drawing/2014/main" id="{FFE625A4-00C0-4D97-892A-B506B788666F}"/>
+                          </a:ext>
+                        </a:extLst>
+                      </p:cNvPr>
+                      <p:cNvGrpSpPr/>
+                      <p:nvPr/>
+                    </p:nvGrpSpPr>
+                    <p:grpSpPr>
+                      <a:xfrm>
+                        <a:off x="4381771" y="-2600875"/>
+                        <a:ext cx="865730" cy="373739"/>
+                        <a:chOff x="4381771" y="-2600875"/>
+                        <a:chExt cx="865730" cy="373739"/>
+                      </a:xfrm>
+                    </p:grpSpPr>
+                    <p:sp>
+                      <p:nvSpPr>
+                        <p:cNvPr id="33" name="Diagrama de flujo: decisión 32">
+                          <a:extLst>
+                            <a:ext uri="{FF2B5EF4-FFF2-40B4-BE49-F238E27FC236}">
+                              <a16:creationId xmlns:a16="http://schemas.microsoft.com/office/drawing/2014/main" id="{6A7F862D-C931-4307-AA0A-736C22AC935B}"/>
+                            </a:ext>
+                          </a:extLst>
+                        </p:cNvPr>
+                        <p:cNvSpPr/>
+                        <p:nvPr/>
+                      </p:nvSpPr>
+                      <p:spPr>
+                        <a:xfrm>
+                          <a:off x="4381771" y="-2600875"/>
+                          <a:ext cx="865730" cy="373739"/>
+                        </a:xfrm>
+                        <a:prstGeom prst="flowChartDecision">
+                          <a:avLst/>
+                        </a:prstGeom>
+                        <a:noFill/>
+                        <a:ln w="9525">
+                          <a:solidFill>
+                            <a:schemeClr val="tx1"/>
+                          </a:solidFill>
+                        </a:ln>
+                      </p:spPr>
+                      <p:style>
+                        <a:lnRef idx="2">
+                          <a:schemeClr val="accent2">
+                            <a:shade val="50000"/>
+                          </a:schemeClr>
+                        </a:lnRef>
+                        <a:fillRef idx="1">
+                          <a:schemeClr val="accent2"/>
+                        </a:fillRef>
+                        <a:effectRef idx="0">
+                          <a:schemeClr val="accent2"/>
+                        </a:effectRef>
+                        <a:fontRef idx="minor">
+                          <a:schemeClr val="lt1"/>
+                        </a:fontRef>
+                      </p:style>
+                      <p:txBody>
+                        <a:bodyPr rtlCol="0" anchor="ctr"/>
+                        <a:lstStyle/>
+                        <a:p>
+                          <a:endParaRPr lang="es-ES" sz="1700"/>
+                        </a:p>
+                      </p:txBody>
+                    </p:sp>
+                    <p:sp>
+                      <p:nvSpPr>
+                        <p:cNvPr id="34" name="CuadroTexto 32">
+                          <a:extLst>
+                            <a:ext uri="{FF2B5EF4-FFF2-40B4-BE49-F238E27FC236}">
+                              <a16:creationId xmlns:a16="http://schemas.microsoft.com/office/drawing/2014/main" id="{DE812B0F-6855-47E7-AA0A-38E816E6A310}"/>
+                            </a:ext>
+                          </a:extLst>
+                        </p:cNvPr>
+                        <p:cNvSpPr txBox="1"/>
+                        <p:nvPr/>
+                      </p:nvSpPr>
+                      <p:spPr>
+                        <a:xfrm>
+                          <a:off x="4505174" y="-2532640"/>
+                          <a:ext cx="617963" cy="284221"/>
+                        </a:xfrm>
+                        <a:prstGeom prst="rect">
+                          <a:avLst/>
+                        </a:prstGeom>
+                        <a:noFill/>
+                        <a:ln w="9525">
+                          <a:noFill/>
+                        </a:ln>
+                      </p:spPr>
+                      <p:style>
+                        <a:lnRef idx="2">
+                          <a:schemeClr val="accent5">
+                            <a:shade val="50000"/>
+                          </a:schemeClr>
+                        </a:lnRef>
+                        <a:fillRef idx="1">
+                          <a:schemeClr val="accent5"/>
+                        </a:fillRef>
+                        <a:effectRef idx="0">
+                          <a:schemeClr val="accent5"/>
+                        </a:effectRef>
+                        <a:fontRef idx="minor">
+                          <a:schemeClr val="lt1"/>
+                        </a:fontRef>
+                      </p:style>
+                      <p:txBody>
+                        <a:bodyPr wrap="square" rtlCol="0">
+                          <a:noAutofit/>
+                        </a:bodyPr>
+                        <a:lstStyle/>
+                        <a:p>
+                          <a:pPr algn="ctr">
+                            <a:lnSpc>
+                              <a:spcPct val="107000"/>
+                            </a:lnSpc>
+                            <a:spcAft>
+                              <a:spcPts val="800"/>
+                            </a:spcAft>
+                          </a:pPr>
+                          <a:r>
+                            <a:rPr lang="en-US" sz="1700" kern="1200" dirty="0">
+                              <a:solidFill>
+                                <a:srgbClr val="000000"/>
+                              </a:solidFill>
+                              <a:effectLst/>
+                              <a:latin typeface="Cambria Math" panose="02040503050406030204" pitchFamily="18" charset="0"/>
+                              <a:ea typeface="Calibri" panose="020F0502020204030204" pitchFamily="34" charset="0"/>
+                              <a:cs typeface="Times New Roman" panose="02020603050405020304" pitchFamily="18" charset="0"/>
+                            </a:rPr>
+                            <a:t>¿</a:t>
+                          </a:r>
+                          <a:r>
+                            <a:rPr lang="es-ES" sz="1700" kern="1200" dirty="0">
+                              <a:solidFill>
+                                <a:srgbClr val="000000"/>
+                              </a:solidFill>
+                              <a:effectLst/>
+                              <a:latin typeface="Cambria Math" panose="02040503050406030204" pitchFamily="18" charset="0"/>
+                              <a:ea typeface="Calibri" panose="020F0502020204030204" pitchFamily="34" charset="0"/>
+                              <a:cs typeface="Times New Roman" panose="02020603050405020304" pitchFamily="18" charset="0"/>
+                            </a:rPr>
+                            <a:t>Condición</a:t>
+                          </a:r>
+                          <a:r>
+                            <a:rPr lang="en-US" sz="1700" kern="1200" dirty="0">
+                              <a:solidFill>
+                                <a:srgbClr val="000000"/>
+                              </a:solidFill>
+                              <a:effectLst/>
+                              <a:latin typeface="Cambria Math" panose="02040503050406030204" pitchFamily="18" charset="0"/>
+                              <a:ea typeface="Calibri" panose="020F0502020204030204" pitchFamily="34" charset="0"/>
+                              <a:cs typeface="Times New Roman" panose="02020603050405020304" pitchFamily="18" charset="0"/>
+                            </a:rPr>
+                            <a:t> de </a:t>
+                          </a:r>
+                          <a:r>
+                            <a:rPr lang="es-ES" sz="1700" kern="1200" dirty="0">
+                              <a:solidFill>
+                                <a:srgbClr val="000000"/>
+                              </a:solidFill>
+                              <a:effectLst/>
+                              <a:latin typeface="Cambria Math" panose="02040503050406030204" pitchFamily="18" charset="0"/>
+                              <a:ea typeface="Calibri" panose="020F0502020204030204" pitchFamily="34" charset="0"/>
+                              <a:cs typeface="Times New Roman" panose="02020603050405020304" pitchFamily="18" charset="0"/>
+                            </a:rPr>
+                            <a:t>parada</a:t>
+                          </a:r>
+                          <a:r>
+                            <a:rPr lang="en-US" sz="1700" kern="1200" dirty="0">
+                              <a:solidFill>
+                                <a:srgbClr val="000000"/>
+                              </a:solidFill>
+                              <a:effectLst/>
+                              <a:latin typeface="Cambria Math" panose="02040503050406030204" pitchFamily="18" charset="0"/>
+                              <a:ea typeface="Calibri" panose="020F0502020204030204" pitchFamily="34" charset="0"/>
+                              <a:cs typeface="Times New Roman" panose="02020603050405020304" pitchFamily="18" charset="0"/>
+                            </a:rPr>
+                            <a:t>?</a:t>
+                          </a:r>
+                          <a:endParaRPr lang="es-ES" sz="1700" dirty="0">
+                            <a:effectLst/>
+                            <a:ea typeface="Calibri" panose="020F0502020204030204" pitchFamily="34" charset="0"/>
+                            <a:cs typeface="Times New Roman" panose="02020603050405020304" pitchFamily="18" charset="0"/>
+                          </a:endParaRPr>
+                        </a:p>
+                      </p:txBody>
+                    </p:sp>
+                  </p:grpSp>
+                  <p:sp>
+                    <p:nvSpPr>
+                      <p:cNvPr id="29" name="CuadroTexto 27">
+                        <a:extLst>
+                          <a:ext uri="{FF2B5EF4-FFF2-40B4-BE49-F238E27FC236}">
+                            <a16:creationId xmlns:a16="http://schemas.microsoft.com/office/drawing/2014/main" id="{D88539CC-BDBD-44B5-900D-E885FB07BA73}"/>
+                          </a:ext>
+                        </a:extLst>
+                      </p:cNvPr>
+                      <p:cNvSpPr txBox="1"/>
+                      <p:nvPr/>
+                    </p:nvSpPr>
+                    <p:spPr>
+                      <a:xfrm>
+                        <a:off x="5466163" y="-2493513"/>
+                        <a:ext cx="413690" cy="159016"/>
+                      </a:xfrm>
+                      <a:prstGeom prst="rect">
+                        <a:avLst/>
+                      </a:prstGeom>
+                      <a:noFill/>
+                      <a:ln w="9525">
+                        <a:solidFill>
+                          <a:schemeClr val="tx1"/>
+                        </a:solidFill>
+                      </a:ln>
+                    </p:spPr>
+                    <p:style>
+                      <a:lnRef idx="2">
+                        <a:schemeClr val="accent6">
+                          <a:shade val="50000"/>
+                        </a:schemeClr>
+                      </a:lnRef>
+                      <a:fillRef idx="1">
+                        <a:schemeClr val="accent6"/>
+                      </a:fillRef>
+                      <a:effectRef idx="0">
+                        <a:schemeClr val="accent6"/>
+                      </a:effectRef>
+                      <a:fontRef idx="minor">
+                        <a:schemeClr val="lt1"/>
+                      </a:fontRef>
+                    </p:style>
+                    <p:txBody>
+                      <a:bodyPr wrap="square" rtlCol="0" anchor="ctr">
+                        <a:noAutofit/>
+                      </a:bodyPr>
+                      <a:lstStyle/>
+                      <a:p>
+                        <a:pPr algn="ctr">
+                          <a:spcAft>
+                            <a:spcPts val="0"/>
+                          </a:spcAft>
+                        </a:pPr>
+                        <a:r>
+                          <a:rPr lang="en-US" sz="1700" dirty="0">
+                            <a:effectLst/>
+                            <a:ea typeface="Calibri" panose="020F0502020204030204" pitchFamily="34" charset="0"/>
+                            <a:cs typeface="Times New Roman" panose="02020603050405020304" pitchFamily="18" charset="0"/>
+                          </a:rPr>
+                          <a:t> </a:t>
+                        </a:r>
+                        <a:r>
+                          <a:rPr lang="en-US" sz="1700" kern="1200" dirty="0" err="1">
+                            <a:solidFill>
+                              <a:srgbClr val="000000"/>
+                            </a:solidFill>
+                            <a:effectLst/>
+                            <a:latin typeface="Cambria Math" panose="02040503050406030204" pitchFamily="18" charset="0"/>
+                            <a:ea typeface="Calibri" panose="020F0502020204030204" pitchFamily="34" charset="0"/>
+                            <a:cs typeface="Times New Roman" panose="02020603050405020304" pitchFamily="18" charset="0"/>
+                          </a:rPr>
+                          <a:t>Solución</a:t>
+                        </a:r>
+                        <a:endParaRPr lang="es-ES" sz="1700" dirty="0">
+                          <a:effectLst/>
+                          <a:ea typeface="Calibri" panose="020F0502020204030204" pitchFamily="34" charset="0"/>
+                          <a:cs typeface="Times New Roman" panose="02020603050405020304" pitchFamily="18" charset="0"/>
+                        </a:endParaRPr>
+                      </a:p>
+                    </p:txBody>
+                  </p:sp>
+                  <p:grpSp>
+                    <p:nvGrpSpPr>
+                      <p:cNvPr id="30" name="Grupo 29">
+                        <a:extLst>
+                          <a:ext uri="{FF2B5EF4-FFF2-40B4-BE49-F238E27FC236}">
+                            <a16:creationId xmlns:a16="http://schemas.microsoft.com/office/drawing/2014/main" id="{6CFE3662-CCDE-46CC-A9ED-EB511B16709F}"/>
+                          </a:ext>
+                        </a:extLst>
+                      </p:cNvPr>
+                      <p:cNvGrpSpPr/>
+                      <p:nvPr/>
+                    </p:nvGrpSpPr>
+                    <p:grpSpPr>
+                      <a:xfrm>
+                        <a:off x="5224855" y="-2571097"/>
+                        <a:ext cx="478155" cy="383715"/>
+                        <a:chOff x="5224855" y="-2571097"/>
+                        <a:chExt cx="478155" cy="383715"/>
+                      </a:xfrm>
+                    </p:grpSpPr>
+                    <p:cxnSp>
+                      <p:nvCxnSpPr>
+                        <p:cNvPr id="31" name="Conector recto de flecha 30">
+                          <a:extLst>
+                            <a:ext uri="{FF2B5EF4-FFF2-40B4-BE49-F238E27FC236}">
+                              <a16:creationId xmlns:a16="http://schemas.microsoft.com/office/drawing/2014/main" id="{1F31E7C3-5A0B-4D0C-90DD-EFF06776A18B}"/>
+                            </a:ext>
+                          </a:extLst>
+                        </p:cNvPr>
+                        <p:cNvCxnSpPr>
+                          <a:cxnSpLocks/>
+                          <a:stCxn id="33" idx="3"/>
+                          <a:endCxn id="29" idx="1"/>
+                        </p:cNvCxnSpPr>
+                        <p:nvPr/>
+                      </p:nvCxnSpPr>
+                      <p:spPr>
+                        <a:xfrm>
+                          <a:off x="5247500" y="-2414006"/>
+                          <a:ext cx="218663" cy="1"/>
+                        </a:xfrm>
+                        <a:prstGeom prst="straightConnector1">
+                          <a:avLst/>
+                        </a:prstGeom>
+                        <a:ln w="9525">
+                          <a:tailEnd type="triangle" w="lg" len="med"/>
+                        </a:ln>
+                      </p:spPr>
+                      <p:style>
+                        <a:lnRef idx="1">
+                          <a:schemeClr val="dk1"/>
+                        </a:lnRef>
+                        <a:fillRef idx="0">
+                          <a:schemeClr val="dk1"/>
+                        </a:fillRef>
+                        <a:effectRef idx="0">
+                          <a:schemeClr val="dk1"/>
+                        </a:effectRef>
+                        <a:fontRef idx="minor">
+                          <a:schemeClr val="tx1"/>
+                        </a:fontRef>
+                      </p:style>
+                    </p:cxnSp>
+                    <p:sp>
+                      <p:nvSpPr>
+                        <p:cNvPr id="32" name="CuadroTexto 30">
+                          <a:extLst>
+                            <a:ext uri="{FF2B5EF4-FFF2-40B4-BE49-F238E27FC236}">
+                              <a16:creationId xmlns:a16="http://schemas.microsoft.com/office/drawing/2014/main" id="{2EF64DF1-7D76-422B-B6E1-9A265D7D2C98}"/>
+                            </a:ext>
+                          </a:extLst>
+                        </p:cNvPr>
+                        <p:cNvSpPr txBox="1"/>
+                        <p:nvPr/>
+                      </p:nvSpPr>
+                      <p:spPr>
+                        <a:xfrm>
+                          <a:off x="5224855" y="-2571097"/>
+                          <a:ext cx="478155" cy="383715"/>
+                        </a:xfrm>
+                        <a:prstGeom prst="rect">
+                          <a:avLst/>
+                        </a:prstGeom>
+                        <a:noFill/>
+                        <a:ln w="9525">
+                          <a:noFill/>
+                        </a:ln>
+                      </p:spPr>
+                      <p:style>
+                        <a:lnRef idx="2">
+                          <a:schemeClr val="accent5">
+                            <a:shade val="50000"/>
+                          </a:schemeClr>
+                        </a:lnRef>
+                        <a:fillRef idx="1">
+                          <a:schemeClr val="accent5"/>
+                        </a:fillRef>
+                        <a:effectRef idx="0">
+                          <a:schemeClr val="accent5"/>
+                        </a:effectRef>
+                        <a:fontRef idx="minor">
+                          <a:schemeClr val="lt1"/>
+                        </a:fontRef>
+                      </p:style>
+                      <p:txBody>
+                        <a:bodyPr wrap="square" rtlCol="0">
+                          <a:noAutofit/>
+                        </a:bodyPr>
+                        <a:lstStyle/>
+                        <a:p>
+                          <a:pPr>
+                            <a:lnSpc>
+                              <a:spcPct val="107000"/>
+                            </a:lnSpc>
+                            <a:spcAft>
+                              <a:spcPts val="800"/>
+                            </a:spcAft>
+                          </a:pPr>
+                          <a:r>
+                            <a:rPr lang="es-ES" sz="1700" kern="1200" dirty="0">
+                              <a:solidFill>
+                                <a:srgbClr val="000000"/>
+                              </a:solidFill>
+                              <a:effectLst/>
+                              <a:latin typeface="Cambria Math" panose="02040503050406030204" pitchFamily="18" charset="0"/>
+                              <a:ea typeface="Calibri" panose="020F0502020204030204" pitchFamily="34" charset="0"/>
+                              <a:cs typeface="Times New Roman" panose="02020603050405020304" pitchFamily="18" charset="0"/>
+                            </a:rPr>
+                            <a:t>Sí</a:t>
+                          </a:r>
+                          <a:endParaRPr lang="es-ES" sz="1700" dirty="0">
+                            <a:effectLst/>
+                            <a:ea typeface="Calibri" panose="020F0502020204030204" pitchFamily="34" charset="0"/>
+                            <a:cs typeface="Times New Roman" panose="02020603050405020304" pitchFamily="18" charset="0"/>
+                          </a:endParaRPr>
+                        </a:p>
+                      </p:txBody>
+                    </p:sp>
+                  </p:grpSp>
+                </p:grpSp>
+                <p:sp>
+                  <p:nvSpPr>
+                    <p:cNvPr id="10" name="CuadroTexto 7">
+                      <a:extLst>
+                        <a:ext uri="{FF2B5EF4-FFF2-40B4-BE49-F238E27FC236}">
+                          <a16:creationId xmlns:a16="http://schemas.microsoft.com/office/drawing/2014/main" id="{79622582-9103-4AE6-B73C-5F9E9323BB46}"/>
+                        </a:ext>
+                      </a:extLst>
+                    </p:cNvPr>
+                    <p:cNvSpPr txBox="1"/>
+                    <p:nvPr/>
+                  </p:nvSpPr>
+                  <p:spPr>
+                    <a:xfrm>
+                      <a:off x="3512500" y="-1779808"/>
+                      <a:ext cx="678216" cy="172749"/>
+                    </a:xfrm>
+                    <a:prstGeom prst="rect">
+                      <a:avLst/>
+                    </a:prstGeom>
+                    <a:noFill/>
+                    <a:ln w="9525">
+                      <a:solidFill>
+                        <a:schemeClr val="tx1"/>
+                      </a:solidFill>
+                    </a:ln>
+                  </p:spPr>
+                  <p:style>
+                    <a:lnRef idx="2">
+                      <a:schemeClr val="accent3">
+                        <a:shade val="50000"/>
+                      </a:schemeClr>
+                    </a:lnRef>
+                    <a:fillRef idx="1">
+                      <a:schemeClr val="accent3"/>
+                    </a:fillRef>
+                    <a:effectRef idx="0">
+                      <a:schemeClr val="accent3"/>
+                    </a:effectRef>
+                    <a:fontRef idx="minor">
+                      <a:schemeClr val="lt1"/>
+                    </a:fontRef>
+                  </p:style>
+                  <p:txBody>
+                    <a:bodyPr wrap="square" rtlCol="0" anchor="ctr">
+                      <a:noAutofit/>
+                    </a:bodyPr>
+                    <a:lstStyle/>
+                    <a:p>
+                      <a:pPr algn="ctr">
+                        <a:spcAft>
+                          <a:spcPts val="0"/>
+                        </a:spcAft>
+                      </a:pPr>
+                      <a:r>
+                        <a:rPr lang="es-ES" sz="1700" kern="1200" dirty="0">
+                          <a:solidFill>
+                            <a:srgbClr val="000000"/>
+                          </a:solidFill>
+                          <a:effectLst/>
+                          <a:latin typeface="Cambria Math" panose="02040503050406030204" pitchFamily="18" charset="0"/>
+                          <a:ea typeface="Calibri" panose="020F0502020204030204" pitchFamily="34" charset="0"/>
+                          <a:cs typeface="Times New Roman" panose="02020603050405020304" pitchFamily="18" charset="0"/>
+                        </a:rPr>
+                        <a:t>Reemplazo</a:t>
+                      </a:r>
+                      <a:endParaRPr lang="es-ES" sz="1700" dirty="0">
+                        <a:effectLst/>
+                        <a:ea typeface="Calibri" panose="020F0502020204030204" pitchFamily="34" charset="0"/>
+                        <a:cs typeface="Times New Roman" panose="02020603050405020304" pitchFamily="18" charset="0"/>
+                      </a:endParaRPr>
+                    </a:p>
+                  </p:txBody>
+                </p:sp>
+                <p:cxnSp>
+                  <p:nvCxnSpPr>
+                    <p:cNvPr id="11" name="Conector: angular 10">
+                      <a:extLst>
+                        <a:ext uri="{FF2B5EF4-FFF2-40B4-BE49-F238E27FC236}">
+                          <a16:creationId xmlns:a16="http://schemas.microsoft.com/office/drawing/2014/main" id="{2048B57D-1074-43A3-B17F-9BF5D1A64A4E}"/>
+                        </a:ext>
+                      </a:extLst>
+                    </p:cNvPr>
+                    <p:cNvCxnSpPr>
+                      <a:cxnSpLocks/>
+                      <a:stCxn id="10" idx="0"/>
+                      <a:endCxn id="33" idx="1"/>
+                    </p:cNvCxnSpPr>
+                    <p:nvPr/>
+                  </p:nvCxnSpPr>
+                  <p:spPr>
+                    <a:xfrm rot="5400000" flipH="1" flipV="1">
+                      <a:off x="3799591" y="-2361988"/>
+                      <a:ext cx="634198" cy="530163"/>
+                    </a:xfrm>
+                    <a:prstGeom prst="bentConnector2">
+                      <a:avLst/>
+                    </a:prstGeom>
+                    <a:ln w="9525">
+                      <a:solidFill>
+                        <a:schemeClr val="tx1"/>
+                      </a:solidFill>
+                      <a:tailEnd type="triangle" w="lg" len="med"/>
+                    </a:ln>
+                  </p:spPr>
+                  <p:style>
+                    <a:lnRef idx="1">
+                      <a:schemeClr val="dk1"/>
+                    </a:lnRef>
+                    <a:fillRef idx="0">
+                      <a:schemeClr val="dk1"/>
+                    </a:fillRef>
+                    <a:effectRef idx="0">
+                      <a:schemeClr val="dk1"/>
+                    </a:effectRef>
+                    <a:fontRef idx="minor">
+                      <a:schemeClr val="tx1"/>
+                    </a:fontRef>
+                  </p:style>
+                </p:cxnSp>
+                <p:sp>
+                  <p:nvSpPr>
+                    <p:cNvPr id="12" name="CuadroTexto 9">
+                      <a:extLst>
+                        <a:ext uri="{FF2B5EF4-FFF2-40B4-BE49-F238E27FC236}">
+                          <a16:creationId xmlns:a16="http://schemas.microsoft.com/office/drawing/2014/main" id="{B791FE5F-B800-476B-AC05-946BF46268A4}"/>
+                        </a:ext>
+                      </a:extLst>
+                    </p:cNvPr>
+                    <p:cNvSpPr txBox="1"/>
+                    <p:nvPr/>
+                  </p:nvSpPr>
+                  <p:spPr>
+                    <a:xfrm>
+                      <a:off x="4477525" y="-2082551"/>
+                      <a:ext cx="674222" cy="175941"/>
+                    </a:xfrm>
+                    <a:prstGeom prst="rect">
+                      <a:avLst/>
+                    </a:prstGeom>
+                    <a:noFill/>
+                    <a:ln w="9525">
+                      <a:solidFill>
+                        <a:schemeClr val="tx1"/>
+                      </a:solidFill>
+                    </a:ln>
+                  </p:spPr>
+                  <p:style>
+                    <a:lnRef idx="2">
+                      <a:schemeClr val="accent3">
+                        <a:shade val="50000"/>
+                      </a:schemeClr>
+                    </a:lnRef>
+                    <a:fillRef idx="1">
+                      <a:schemeClr val="accent3"/>
+                    </a:fillRef>
+                    <a:effectRef idx="0">
+                      <a:schemeClr val="accent3"/>
+                    </a:effectRef>
+                    <a:fontRef idx="minor">
+                      <a:schemeClr val="lt1"/>
+                    </a:fontRef>
+                  </p:style>
+                  <p:txBody>
+                    <a:bodyPr wrap="square" rtlCol="0" anchor="ctr">
+                      <a:noAutofit/>
+                    </a:bodyPr>
+                    <a:lstStyle/>
+                    <a:p>
+                      <a:pPr algn="ctr">
+                        <a:spcAft>
+                          <a:spcPts val="0"/>
+                        </a:spcAft>
+                      </a:pPr>
+                      <a:r>
+                        <a:rPr lang="en-US" sz="1700" dirty="0">
+                          <a:effectLst/>
+                          <a:ea typeface="Calibri" panose="020F0502020204030204" pitchFamily="34" charset="0"/>
+                          <a:cs typeface="Times New Roman" panose="02020603050405020304" pitchFamily="18" charset="0"/>
+                        </a:rPr>
+                        <a:t> </a:t>
+                      </a:r>
+                      <a:r>
+                        <a:rPr lang="en-US" sz="1700" kern="1200" dirty="0">
+                          <a:solidFill>
+                            <a:srgbClr val="000000"/>
+                          </a:solidFill>
+                          <a:effectLst/>
+                          <a:latin typeface="Cambria Math" panose="02040503050406030204" pitchFamily="18" charset="0"/>
+                          <a:ea typeface="Calibri" panose="020F0502020204030204" pitchFamily="34" charset="0"/>
+                          <a:cs typeface="Times New Roman" panose="02020603050405020304" pitchFamily="18" charset="0"/>
+                        </a:rPr>
+                        <a:t>Selección</a:t>
+                      </a:r>
+                      <a:endParaRPr lang="es-ES" sz="1700" dirty="0">
+                        <a:effectLst/>
+                        <a:ea typeface="Calibri" panose="020F0502020204030204" pitchFamily="34" charset="0"/>
+                        <a:cs typeface="Times New Roman" panose="02020603050405020304" pitchFamily="18" charset="0"/>
+                      </a:endParaRPr>
+                    </a:p>
+                  </p:txBody>
+                </p:sp>
+                <p:sp>
+                  <p:nvSpPr>
+                    <p:cNvPr id="13" name="CuadroTexto 10">
+                      <a:extLst>
+                        <a:ext uri="{FF2B5EF4-FFF2-40B4-BE49-F238E27FC236}">
+                          <a16:creationId xmlns:a16="http://schemas.microsoft.com/office/drawing/2014/main" id="{110CE136-4401-460F-A758-EAD381DC595A}"/>
+                        </a:ext>
+                      </a:extLst>
+                    </p:cNvPr>
+                    <p:cNvSpPr txBox="1"/>
+                    <p:nvPr/>
+                  </p:nvSpPr>
+                  <p:spPr>
+                    <a:xfrm>
+                      <a:off x="4476980" y="-1783001"/>
+                      <a:ext cx="676008" cy="175942"/>
+                    </a:xfrm>
+                    <a:prstGeom prst="rect">
+                      <a:avLst/>
+                    </a:prstGeom>
+                    <a:noFill/>
+                    <a:ln w="9525">
+                      <a:solidFill>
+                        <a:schemeClr val="tx1"/>
+                      </a:solidFill>
+                      <a:prstDash val="lgDash"/>
+                    </a:ln>
+                  </p:spPr>
+                  <p:style>
+                    <a:lnRef idx="2">
+                      <a:schemeClr val="accent5">
+                        <a:shade val="50000"/>
+                      </a:schemeClr>
+                    </a:lnRef>
+                    <a:fillRef idx="1">
+                      <a:schemeClr val="accent5"/>
+                    </a:fillRef>
+                    <a:effectRef idx="0">
+                      <a:schemeClr val="accent5"/>
+                    </a:effectRef>
+                    <a:fontRef idx="minor">
+                      <a:schemeClr val="lt1"/>
+                    </a:fontRef>
+                  </p:style>
+                  <p:txBody>
+                    <a:bodyPr wrap="square" rtlCol="0" anchor="ctr">
+                      <a:noAutofit/>
+                    </a:bodyPr>
+                    <a:lstStyle/>
+                    <a:p>
+                      <a:pPr algn="ctr">
+                        <a:spcAft>
+                          <a:spcPts val="0"/>
+                        </a:spcAft>
+                      </a:pPr>
+                      <a:r>
+                        <a:rPr lang="es-ES" sz="1700" kern="1200" dirty="0">
+                          <a:solidFill>
+                            <a:srgbClr val="000000"/>
+                          </a:solidFill>
+                          <a:effectLst/>
+                          <a:latin typeface="Cambria Math" panose="02040503050406030204" pitchFamily="18" charset="0"/>
+                          <a:ea typeface="Calibri" panose="020F0502020204030204" pitchFamily="34" charset="0"/>
+                          <a:cs typeface="Times New Roman" panose="02020603050405020304" pitchFamily="18" charset="0"/>
+                        </a:rPr>
+                        <a:t>Cruce</a:t>
+                      </a:r>
+                      <a:endParaRPr lang="es-ES" sz="1700" dirty="0">
+                        <a:effectLst/>
+                        <a:ea typeface="Calibri" panose="020F0502020204030204" pitchFamily="34" charset="0"/>
+                        <a:cs typeface="Times New Roman" panose="02020603050405020304" pitchFamily="18" charset="0"/>
+                      </a:endParaRPr>
+                    </a:p>
+                  </p:txBody>
+                </p:sp>
+                <p:sp>
+                  <p:nvSpPr>
+                    <p:cNvPr id="14" name="CuadroTexto 11">
+                      <a:extLst>
+                        <a:ext uri="{FF2B5EF4-FFF2-40B4-BE49-F238E27FC236}">
+                          <a16:creationId xmlns:a16="http://schemas.microsoft.com/office/drawing/2014/main" id="{CF2D51AE-CD48-4737-BD9B-C52FA2794E88}"/>
+                        </a:ext>
+                      </a:extLst>
+                    </p:cNvPr>
+                    <p:cNvSpPr txBox="1"/>
+                    <p:nvPr/>
+                  </p:nvSpPr>
+                  <p:spPr>
+                    <a:xfrm>
+                      <a:off x="4476980" y="-1480622"/>
+                      <a:ext cx="674767" cy="175942"/>
+                    </a:xfrm>
+                    <a:prstGeom prst="rect">
+                      <a:avLst/>
+                    </a:prstGeom>
+                    <a:noFill/>
+                    <a:ln w="9525">
+                      <a:solidFill>
+                        <a:schemeClr val="tx1"/>
+                      </a:solidFill>
+                      <a:prstDash val="lgDash"/>
+                    </a:ln>
+                  </p:spPr>
+                  <p:style>
+                    <a:lnRef idx="2">
+                      <a:schemeClr val="accent5">
+                        <a:shade val="50000"/>
+                      </a:schemeClr>
+                    </a:lnRef>
+                    <a:fillRef idx="1">
+                      <a:schemeClr val="accent5"/>
+                    </a:fillRef>
+                    <a:effectRef idx="0">
+                      <a:schemeClr val="accent5"/>
+                    </a:effectRef>
+                    <a:fontRef idx="minor">
+                      <a:schemeClr val="lt1"/>
+                    </a:fontRef>
+                  </p:style>
+                  <p:txBody>
+                    <a:bodyPr wrap="square" rtlCol="0" anchor="ctr">
+                      <a:noAutofit/>
+                    </a:bodyPr>
+                    <a:lstStyle/>
+                    <a:p>
+                      <a:pPr algn="ctr">
+                        <a:lnSpc>
+                          <a:spcPct val="107000"/>
+                        </a:lnSpc>
+                        <a:spcAft>
+                          <a:spcPts val="800"/>
+                        </a:spcAft>
+                      </a:pPr>
+                      <a:r>
+                        <a:rPr lang="en-US" sz="1700" kern="1200" dirty="0">
+                          <a:solidFill>
+                            <a:srgbClr val="000000"/>
+                          </a:solidFill>
+                          <a:effectLst/>
+                          <a:latin typeface="Cambria Math" panose="02040503050406030204" pitchFamily="18" charset="0"/>
+                          <a:ea typeface="Calibri" panose="020F0502020204030204" pitchFamily="34" charset="0"/>
+                          <a:cs typeface="Times New Roman" panose="02020603050405020304" pitchFamily="18" charset="0"/>
+                        </a:rPr>
+                        <a:t>Mutación</a:t>
+                      </a:r>
+                      <a:endParaRPr lang="es-ES" sz="1700" dirty="0">
+                        <a:effectLst/>
+                        <a:ea typeface="Calibri" panose="020F0502020204030204" pitchFamily="34" charset="0"/>
+                        <a:cs typeface="Times New Roman" panose="02020603050405020304" pitchFamily="18" charset="0"/>
+                      </a:endParaRPr>
+                    </a:p>
+                  </p:txBody>
+                </p:sp>
+                <p:cxnSp>
+                  <p:nvCxnSpPr>
+                    <p:cNvPr id="15" name="Conector recto de flecha 14">
+                      <a:extLst>
+                        <a:ext uri="{FF2B5EF4-FFF2-40B4-BE49-F238E27FC236}">
+                          <a16:creationId xmlns:a16="http://schemas.microsoft.com/office/drawing/2014/main" id="{3C5B5540-D7B4-4350-B66F-36F26ED3E256}"/>
+                        </a:ext>
+                      </a:extLst>
+                    </p:cNvPr>
+                    <p:cNvCxnSpPr>
+                      <a:cxnSpLocks/>
+                      <a:stCxn id="13" idx="2"/>
+                      <a:endCxn id="14" idx="0"/>
+                    </p:cNvCxnSpPr>
+                    <p:nvPr/>
+                  </p:nvCxnSpPr>
+                  <p:spPr>
+                    <a:xfrm flipH="1">
+                      <a:off x="4814363" y="-1607059"/>
+                      <a:ext cx="620" cy="126437"/>
+                    </a:xfrm>
+                    <a:prstGeom prst="straightConnector1">
+                      <a:avLst/>
+                    </a:prstGeom>
+                    <a:ln w="9525">
+                      <a:prstDash val="dash"/>
+                      <a:tailEnd type="triangle" w="lg" len="med"/>
+                    </a:ln>
+                  </p:spPr>
+                  <p:style>
+                    <a:lnRef idx="1">
+                      <a:schemeClr val="dk1"/>
+                    </a:lnRef>
+                    <a:fillRef idx="0">
+                      <a:schemeClr val="dk1"/>
+                    </a:fillRef>
+                    <a:effectRef idx="0">
+                      <a:schemeClr val="dk1"/>
+                    </a:effectRef>
+                    <a:fontRef idx="minor">
+                      <a:schemeClr val="tx1"/>
+                    </a:fontRef>
+                  </p:style>
+                </p:cxnSp>
+                <p:cxnSp>
+                  <p:nvCxnSpPr>
+                    <p:cNvPr id="16" name="Conector: angular 15">
+                      <a:extLst>
+                        <a:ext uri="{FF2B5EF4-FFF2-40B4-BE49-F238E27FC236}">
+                          <a16:creationId xmlns:a16="http://schemas.microsoft.com/office/drawing/2014/main" id="{0AADC100-53E5-4C2E-8409-12FDEB887175}"/>
+                        </a:ext>
+                      </a:extLst>
+                    </p:cNvPr>
+                    <p:cNvCxnSpPr>
+                      <a:cxnSpLocks/>
+                      <a:stCxn id="104" idx="2"/>
+                      <a:endCxn id="10" idx="2"/>
+                    </p:cNvCxnSpPr>
+                    <p:nvPr/>
+                  </p:nvCxnSpPr>
+                  <p:spPr>
+                    <a:xfrm rot="5400000" flipH="1">
+                      <a:off x="3994077" y="-1749527"/>
+                      <a:ext cx="677893" cy="962830"/>
+                    </a:xfrm>
+                    <a:prstGeom prst="bentConnector3">
+                      <a:avLst>
+                        <a:gd name="adj1" fmla="val -15936"/>
+                      </a:avLst>
+                    </a:prstGeom>
+                    <a:ln w="9525">
+                      <a:tailEnd type="triangle" w="lg" len="med"/>
+                    </a:ln>
+                  </p:spPr>
+                  <p:style>
+                    <a:lnRef idx="1">
+                      <a:schemeClr val="dk1"/>
+                    </a:lnRef>
+                    <a:fillRef idx="0">
+                      <a:schemeClr val="dk1"/>
+                    </a:fillRef>
+                    <a:effectRef idx="0">
+                      <a:schemeClr val="dk1"/>
+                    </a:effectRef>
+                    <a:fontRef idx="minor">
+                      <a:schemeClr val="tx1"/>
+                    </a:fontRef>
+                  </p:style>
+                </p:cxnSp>
+                <p:cxnSp>
+                  <p:nvCxnSpPr>
+                    <p:cNvPr id="17" name="Conector recto de flecha 16">
+                      <a:extLst>
+                        <a:ext uri="{FF2B5EF4-FFF2-40B4-BE49-F238E27FC236}">
+                          <a16:creationId xmlns:a16="http://schemas.microsoft.com/office/drawing/2014/main" id="{90BDC8F4-EB2B-4FD8-B58E-166FDD3FB94D}"/>
+                        </a:ext>
+                      </a:extLst>
+                    </p:cNvPr>
+                    <p:cNvCxnSpPr>
+                      <a:cxnSpLocks/>
+                      <a:stCxn id="33" idx="2"/>
+                      <a:endCxn id="12" idx="0"/>
+                    </p:cNvCxnSpPr>
+                    <p:nvPr/>
+                  </p:nvCxnSpPr>
+                  <p:spPr>
+                    <a:xfrm>
+                      <a:off x="4814636" y="-2227136"/>
+                      <a:ext cx="1" cy="144585"/>
+                    </a:xfrm>
+                    <a:prstGeom prst="straightConnector1">
+                      <a:avLst/>
+                    </a:prstGeom>
+                    <a:ln w="9525">
+                      <a:tailEnd type="triangle" w="lg" len="med"/>
+                    </a:ln>
+                  </p:spPr>
+                  <p:style>
+                    <a:lnRef idx="1">
+                      <a:schemeClr val="dk1"/>
+                    </a:lnRef>
+                    <a:fillRef idx="0">
+                      <a:schemeClr val="dk1"/>
+                    </a:fillRef>
+                    <a:effectRef idx="0">
+                      <a:schemeClr val="dk1"/>
+                    </a:effectRef>
+                    <a:fontRef idx="minor">
+                      <a:schemeClr val="tx1"/>
+                    </a:fontRef>
+                  </p:style>
+                </p:cxnSp>
+              </p:grpSp>
+              <p:cxnSp>
+                <p:nvCxnSpPr>
+                  <p:cNvPr id="6" name="Conector: angular 5">
+                    <a:extLst>
+                      <a:ext uri="{FF2B5EF4-FFF2-40B4-BE49-F238E27FC236}">
+                        <a16:creationId xmlns:a16="http://schemas.microsoft.com/office/drawing/2014/main" id="{4C16B1D3-8659-423B-8340-8771254F8E23}"/>
+                      </a:ext>
+                    </a:extLst>
+                  </p:cNvPr>
+                  <p:cNvCxnSpPr>
+                    <a:cxnSpLocks/>
+                    <a:stCxn id="12" idx="2"/>
+                    <a:endCxn id="13" idx="0"/>
+                  </p:cNvCxnSpPr>
+                  <p:nvPr/>
+                </p:nvCxnSpPr>
+                <p:spPr>
+                  <a:xfrm rot="16200000" flipH="1">
+                    <a:off x="4753005" y="1498294"/>
+                    <a:ext cx="123609" cy="348"/>
+                  </a:xfrm>
+                  <a:prstGeom prst="bentConnector3">
+                    <a:avLst>
+                      <a:gd name="adj1" fmla="val 50000"/>
+                    </a:avLst>
+                  </a:prstGeom>
+                  <a:ln w="9525">
+                    <a:solidFill>
+                      <a:schemeClr val="tx1"/>
+                    </a:solidFill>
+                    <a:tailEnd type="triangle" w="lg" len="med"/>
+                  </a:ln>
+                </p:spPr>
+                <p:style>
+                  <a:lnRef idx="1">
+                    <a:schemeClr val="accent1"/>
+                  </a:lnRef>
+                  <a:fillRef idx="0">
+                    <a:schemeClr val="accent1"/>
+                  </a:fillRef>
+                  <a:effectRef idx="0">
+                    <a:schemeClr val="accent1"/>
+                  </a:effectRef>
+                  <a:fontRef idx="minor">
+                    <a:schemeClr val="tx1"/>
+                  </a:fontRef>
+                </p:style>
+              </p:cxnSp>
+            </p:grpSp>
             <p:sp>
               <p:nvSpPr>
-                <p:cNvPr id="25" name="CuadroTexto 23">
+                <p:cNvPr id="104" name="CuadroTexto 25">
                   <a:extLst>
                     <a:ext uri="{FF2B5EF4-FFF2-40B4-BE49-F238E27FC236}">
-                      <a16:creationId xmlns:a16="http://schemas.microsoft.com/office/drawing/2014/main" id="{A6A36952-2330-48BB-8DE3-C750014BB7A8}"/>
+                      <a16:creationId xmlns:a16="http://schemas.microsoft.com/office/drawing/2014/main" id="{4A9722BE-F85A-4E8D-846D-E4F22AAFEA8C}"/>
                     </a:ext>
                   </a:extLst>
                 </p:cNvPr>
@@ -3438,14 +4731,14 @@
               </p:nvSpPr>
               <p:spPr>
                 <a:xfrm>
-                  <a:off x="5369700" y="-3343274"/>
-                  <a:ext cx="1236428" cy="457200"/>
+                  <a:off x="7666694" y="4273149"/>
+                  <a:ext cx="1301135" cy="475753"/>
                 </a:xfrm>
                 <a:prstGeom prst="rect">
                   <a:avLst/>
                 </a:prstGeom>
                 <a:noFill/>
-                <a:ln w="19050">
+                <a:ln w="9525">
                   <a:solidFill>
                     <a:schemeClr val="tx1"/>
                   </a:solidFill>
@@ -3473,192 +4766,13 @@
                 </a:bodyPr>
                 <a:lstStyle/>
                 <a:p>
-                  <a:pPr>
+                  <a:pPr algn="ctr">
                     <a:spcAft>
                       <a:spcPts val="0"/>
                     </a:spcAft>
                   </a:pPr>
                   <a:r>
-                    <a:rPr lang="en-US" sz="300" dirty="0">
-                      <a:effectLst/>
-                      <a:ea typeface="Calibri" panose="020F0502020204030204" pitchFamily="34" charset="0"/>
-                      <a:cs typeface="Times New Roman" panose="02020603050405020304" pitchFamily="18" charset="0"/>
-                    </a:rPr>
-                    <a:t> </a:t>
-                  </a:r>
-                  <a:r>
-                    <a:rPr lang="en-US" sz="100" dirty="0">
-                      <a:effectLst/>
-                      <a:ea typeface="Calibri" panose="020F0502020204030204" pitchFamily="34" charset="0"/>
-                      <a:cs typeface="Times New Roman" panose="02020603050405020304" pitchFamily="18" charset="0"/>
-                    </a:rPr>
-                    <a:t> </a:t>
-                  </a:r>
-                  <a:endParaRPr lang="es-ES" sz="1400" dirty="0">
-                    <a:effectLst/>
-                    <a:ea typeface="Calibri" panose="020F0502020204030204" pitchFamily="34" charset="0"/>
-                    <a:cs typeface="Times New Roman" panose="02020603050405020304" pitchFamily="18" charset="0"/>
-                  </a:endParaRPr>
-                </a:p>
-                <a:p>
-                  <a:pPr algn="ctr">
-                    <a:lnSpc>
-                      <a:spcPct val="107000"/>
-                    </a:lnSpc>
-                    <a:spcAft>
-                      <a:spcPts val="800"/>
-                    </a:spcAft>
-                  </a:pPr>
-                  <a:r>
-                    <a:rPr lang="en-US" sz="2000" kern="1200" dirty="0">
-                      <a:solidFill>
-                        <a:srgbClr val="000000"/>
-                      </a:solidFill>
-                      <a:effectLst/>
-                      <a:latin typeface="Cambria Math" panose="02040503050406030204" pitchFamily="18" charset="0"/>
-                      <a:ea typeface="Calibri" panose="020F0502020204030204" pitchFamily="34" charset="0"/>
-                      <a:cs typeface="Times New Roman" panose="02020603050405020304" pitchFamily="18" charset="0"/>
-                    </a:rPr>
-                    <a:t>Generación de una población</a:t>
-                  </a:r>
-                  <a:endParaRPr lang="es-ES" sz="1600" dirty="0">
-                    <a:effectLst/>
-                    <a:ea typeface="Calibri" panose="020F0502020204030204" pitchFamily="34" charset="0"/>
-                    <a:cs typeface="Times New Roman" panose="02020603050405020304" pitchFamily="18" charset="0"/>
-                  </a:endParaRPr>
-                </a:p>
-              </p:txBody>
-            </p:sp>
-            <p:cxnSp>
-              <p:nvCxnSpPr>
-                <p:cNvPr id="26" name="Conector recto de flecha 25">
-                  <a:extLst>
-                    <a:ext uri="{FF2B5EF4-FFF2-40B4-BE49-F238E27FC236}">
-                      <a16:creationId xmlns:a16="http://schemas.microsoft.com/office/drawing/2014/main" id="{B4E37B6B-2CEE-47DC-9924-150625A99B4E}"/>
-                    </a:ext>
-                  </a:extLst>
-                </p:cNvPr>
-                <p:cNvCxnSpPr>
-                  <a:cxnSpLocks/>
-                  <a:stCxn id="25" idx="2"/>
-                  <a:endCxn id="27" idx="0"/>
-                </p:cNvCxnSpPr>
-                <p:nvPr/>
-              </p:nvCxnSpPr>
-              <p:spPr>
-                <a:xfrm flipH="1">
-                  <a:off x="5987605" y="-2886074"/>
-                  <a:ext cx="309" cy="563619"/>
-                </a:xfrm>
-                <a:prstGeom prst="straightConnector1">
-                  <a:avLst/>
-                </a:prstGeom>
-                <a:ln w="19050">
-                  <a:tailEnd type="triangle" w="lg" len="lg"/>
-                </a:ln>
-              </p:spPr>
-              <p:style>
-                <a:lnRef idx="1">
-                  <a:schemeClr val="dk1"/>
-                </a:lnRef>
-                <a:fillRef idx="0">
-                  <a:schemeClr val="dk1"/>
-                </a:fillRef>
-                <a:effectRef idx="0">
-                  <a:schemeClr val="dk1"/>
-                </a:effectRef>
-                <a:fontRef idx="minor">
-                  <a:schemeClr val="tx1"/>
-                </a:fontRef>
-              </p:style>
-            </p:cxnSp>
-            <p:sp>
-              <p:nvSpPr>
-                <p:cNvPr id="27" name="CuadroTexto 25">
-                  <a:extLst>
-                    <a:ext uri="{FF2B5EF4-FFF2-40B4-BE49-F238E27FC236}">
-                      <a16:creationId xmlns:a16="http://schemas.microsoft.com/office/drawing/2014/main" id="{C3825528-C256-4CF8-AAEC-7217E6C88584}"/>
-                    </a:ext>
-                  </a:extLst>
-                </p:cNvPr>
-                <p:cNvSpPr txBox="1"/>
-                <p:nvPr/>
-              </p:nvSpPr>
-              <p:spPr>
-                <a:xfrm>
-                  <a:off x="5369514" y="-2322455"/>
-                  <a:ext cx="1236182" cy="478786"/>
-                </a:xfrm>
-                <a:prstGeom prst="rect">
-                  <a:avLst/>
-                </a:prstGeom>
-                <a:noFill/>
-                <a:ln w="19050">
-                  <a:solidFill>
-                    <a:schemeClr val="tx1"/>
-                  </a:solidFill>
-                </a:ln>
-              </p:spPr>
-              <p:style>
-                <a:lnRef idx="2">
-                  <a:schemeClr val="accent5">
-                    <a:shade val="50000"/>
-                  </a:schemeClr>
-                </a:lnRef>
-                <a:fillRef idx="1">
-                  <a:schemeClr val="accent5"/>
-                </a:fillRef>
-                <a:effectRef idx="0">
-                  <a:schemeClr val="accent5"/>
-                </a:effectRef>
-                <a:fontRef idx="minor">
-                  <a:schemeClr val="lt1"/>
-                </a:fontRef>
-              </p:style>
-              <p:txBody>
-                <a:bodyPr wrap="square" rtlCol="0">
-                  <a:noAutofit/>
-                </a:bodyPr>
-                <a:lstStyle/>
-                <a:p>
-                  <a:pPr>
-                    <a:spcAft>
-                      <a:spcPts val="0"/>
-                    </a:spcAft>
-                  </a:pPr>
-                  <a:r>
-                    <a:rPr lang="en-US" sz="700" dirty="0">
-                      <a:effectLst/>
-                      <a:ea typeface="Calibri" panose="020F0502020204030204" pitchFamily="34" charset="0"/>
-                      <a:cs typeface="Times New Roman" panose="02020603050405020304" pitchFamily="18" charset="0"/>
-                    </a:rPr>
-                    <a:t> </a:t>
-                  </a:r>
-                  <a:r>
-                    <a:rPr lang="en-US" sz="300" dirty="0">
-                      <a:effectLst/>
-                      <a:ea typeface="Calibri" panose="020F0502020204030204" pitchFamily="34" charset="0"/>
-                      <a:cs typeface="Times New Roman" panose="02020603050405020304" pitchFamily="18" charset="0"/>
-                    </a:rPr>
-                    <a:t> </a:t>
-                  </a:r>
-                  <a:endParaRPr lang="es-ES" sz="1100" dirty="0">
-                    <a:effectLst/>
-                    <a:ea typeface="Calibri" panose="020F0502020204030204" pitchFamily="34" charset="0"/>
-                    <a:cs typeface="Times New Roman" panose="02020603050405020304" pitchFamily="18" charset="0"/>
-                  </a:endParaRPr>
-                </a:p>
-                <a:p>
-                  <a:pPr algn="ctr">
-                    <a:lnSpc>
-                      <a:spcPct val="107000"/>
-                    </a:lnSpc>
-                    <a:spcAft>
-                      <a:spcPts val="800"/>
-                    </a:spcAft>
-                  </a:pPr>
-                  <a:r>
-                    <a:rPr lang="en-US" sz="2000" kern="1200" dirty="0">
+                    <a:rPr lang="en-US" sz="1700" kern="1200" dirty="0">
                       <a:solidFill>
                         <a:srgbClr val="000000"/>
                       </a:solidFill>
@@ -3669,684 +4783,7 @@
                     </a:rPr>
                     <a:t>Evaluación de la población</a:t>
                   </a:r>
-                  <a:endParaRPr lang="es-ES" sz="1600" dirty="0">
-                    <a:effectLst/>
-                    <a:ea typeface="Calibri" panose="020F0502020204030204" pitchFamily="34" charset="0"/>
-                    <a:cs typeface="Times New Roman" panose="02020603050405020304" pitchFamily="18" charset="0"/>
-                  </a:endParaRPr>
-                </a:p>
-              </p:txBody>
-            </p:sp>
-            <p:grpSp>
-              <p:nvGrpSpPr>
-                <p:cNvPr id="28" name="Grupo 27">
-                  <a:extLst>
-                    <a:ext uri="{FF2B5EF4-FFF2-40B4-BE49-F238E27FC236}">
-                      <a16:creationId xmlns:a16="http://schemas.microsoft.com/office/drawing/2014/main" id="{FFE625A4-00C0-4D97-892A-B506B788666F}"/>
-                    </a:ext>
-                  </a:extLst>
-                </p:cNvPr>
-                <p:cNvGrpSpPr/>
-                <p:nvPr/>
-              </p:nvGrpSpPr>
-              <p:grpSpPr>
-                <a:xfrm>
-                  <a:off x="5281959" y="-1310829"/>
-                  <a:ext cx="1413772" cy="642335"/>
-                  <a:chOff x="5281959" y="-1310829"/>
-                  <a:chExt cx="1413772" cy="642335"/>
-                </a:xfrm>
-              </p:grpSpPr>
-              <p:sp>
-                <p:nvSpPr>
-                  <p:cNvPr id="33" name="Diagrama de flujo: decisión 32">
-                    <a:extLst>
-                      <a:ext uri="{FF2B5EF4-FFF2-40B4-BE49-F238E27FC236}">
-                        <a16:creationId xmlns:a16="http://schemas.microsoft.com/office/drawing/2014/main" id="{6A7F862D-C931-4307-AA0A-736C22AC935B}"/>
-                      </a:ext>
-                    </a:extLst>
-                  </p:cNvPr>
-                  <p:cNvSpPr/>
-                  <p:nvPr/>
-                </p:nvSpPr>
-                <p:spPr>
-                  <a:xfrm>
-                    <a:off x="5281959" y="-1310829"/>
-                    <a:ext cx="1413772" cy="610332"/>
-                  </a:xfrm>
-                  <a:prstGeom prst="flowChartDecision">
-                    <a:avLst/>
-                  </a:prstGeom>
-                  <a:noFill/>
-                  <a:ln w="19050">
-                    <a:solidFill>
-                      <a:schemeClr val="tx1"/>
-                    </a:solidFill>
-                  </a:ln>
-                </p:spPr>
-                <p:style>
-                  <a:lnRef idx="2">
-                    <a:schemeClr val="accent2">
-                      <a:shade val="50000"/>
-                    </a:schemeClr>
-                  </a:lnRef>
-                  <a:fillRef idx="1">
-                    <a:schemeClr val="accent2"/>
-                  </a:fillRef>
-                  <a:effectRef idx="0">
-                    <a:schemeClr val="accent2"/>
-                  </a:effectRef>
-                  <a:fontRef idx="minor">
-                    <a:schemeClr val="lt1"/>
-                  </a:fontRef>
-                </p:style>
-                <p:txBody>
-                  <a:bodyPr rtlCol="0" anchor="ctr"/>
-                  <a:lstStyle/>
-                  <a:p>
-                    <a:endParaRPr lang="es-ES" sz="2800"/>
-                  </a:p>
-                </p:txBody>
-              </p:sp>
-              <p:sp>
-                <p:nvSpPr>
-                  <p:cNvPr id="34" name="CuadroTexto 32">
-                    <a:extLst>
-                      <a:ext uri="{FF2B5EF4-FFF2-40B4-BE49-F238E27FC236}">
-                        <a16:creationId xmlns:a16="http://schemas.microsoft.com/office/drawing/2014/main" id="{DE812B0F-6855-47E7-AA0A-38E816E6A310}"/>
-                      </a:ext>
-                    </a:extLst>
-                  </p:cNvPr>
-                  <p:cNvSpPr txBox="1"/>
-                  <p:nvPr/>
-                </p:nvSpPr>
-                <p:spPr>
-                  <a:xfrm>
-                    <a:off x="5521017" y="-1174101"/>
-                    <a:ext cx="981710" cy="505607"/>
-                  </a:xfrm>
-                  <a:prstGeom prst="rect">
-                    <a:avLst/>
-                  </a:prstGeom>
-                  <a:noFill/>
-                  <a:ln w="19050">
-                    <a:noFill/>
-                  </a:ln>
-                </p:spPr>
-                <p:style>
-                  <a:lnRef idx="2">
-                    <a:schemeClr val="accent5">
-                      <a:shade val="50000"/>
-                    </a:schemeClr>
-                  </a:lnRef>
-                  <a:fillRef idx="1">
-                    <a:schemeClr val="accent5"/>
-                  </a:fillRef>
-                  <a:effectRef idx="0">
-                    <a:schemeClr val="accent5"/>
-                  </a:effectRef>
-                  <a:fontRef idx="minor">
-                    <a:schemeClr val="lt1"/>
-                  </a:fontRef>
-                </p:style>
-                <p:txBody>
-                  <a:bodyPr wrap="square" rtlCol="0">
-                    <a:noAutofit/>
-                  </a:bodyPr>
-                  <a:lstStyle/>
-                  <a:p>
-                    <a:pPr algn="ctr">
-                      <a:lnSpc>
-                        <a:spcPct val="107000"/>
-                      </a:lnSpc>
-                      <a:spcAft>
-                        <a:spcPts val="800"/>
-                      </a:spcAft>
-                    </a:pPr>
-                    <a:r>
-                      <a:rPr lang="en-US" sz="2000" kern="1200">
-                        <a:solidFill>
-                          <a:srgbClr val="000000"/>
-                        </a:solidFill>
-                        <a:effectLst/>
-                        <a:latin typeface="Cambria Math" panose="02040503050406030204" pitchFamily="18" charset="0"/>
-                        <a:ea typeface="Calibri" panose="020F0502020204030204" pitchFamily="34" charset="0"/>
-                        <a:cs typeface="Times New Roman" panose="02020603050405020304" pitchFamily="18" charset="0"/>
-                      </a:rPr>
-                      <a:t>¿</a:t>
-                    </a:r>
-                    <a:r>
-                      <a:rPr lang="es-ES" sz="2000" kern="1200">
-                        <a:solidFill>
-                          <a:srgbClr val="000000"/>
-                        </a:solidFill>
-                        <a:effectLst/>
-                        <a:latin typeface="Cambria Math" panose="02040503050406030204" pitchFamily="18" charset="0"/>
-                        <a:ea typeface="Calibri" panose="020F0502020204030204" pitchFamily="34" charset="0"/>
-                        <a:cs typeface="Times New Roman" panose="02020603050405020304" pitchFamily="18" charset="0"/>
-                      </a:rPr>
-                      <a:t>Condición</a:t>
-                    </a:r>
-                    <a:r>
-                      <a:rPr lang="en-US" sz="2000" kern="1200">
-                        <a:solidFill>
-                          <a:srgbClr val="000000"/>
-                        </a:solidFill>
-                        <a:effectLst/>
-                        <a:latin typeface="Cambria Math" panose="02040503050406030204" pitchFamily="18" charset="0"/>
-                        <a:ea typeface="Calibri" panose="020F0502020204030204" pitchFamily="34" charset="0"/>
-                        <a:cs typeface="Times New Roman" panose="02020603050405020304" pitchFamily="18" charset="0"/>
-                      </a:rPr>
-                      <a:t> de </a:t>
-                    </a:r>
-                    <a:r>
-                      <a:rPr lang="es-ES" sz="2000" kern="1200">
-                        <a:solidFill>
-                          <a:srgbClr val="000000"/>
-                        </a:solidFill>
-                        <a:effectLst/>
-                        <a:latin typeface="Cambria Math" panose="02040503050406030204" pitchFamily="18" charset="0"/>
-                        <a:ea typeface="Calibri" panose="020F0502020204030204" pitchFamily="34" charset="0"/>
-                        <a:cs typeface="Times New Roman" panose="02020603050405020304" pitchFamily="18" charset="0"/>
-                      </a:rPr>
-                      <a:t>parada</a:t>
-                    </a:r>
-                    <a:r>
-                      <a:rPr lang="en-US" sz="2000" kern="1200">
-                        <a:solidFill>
-                          <a:srgbClr val="000000"/>
-                        </a:solidFill>
-                        <a:effectLst/>
-                        <a:latin typeface="Cambria Math" panose="02040503050406030204" pitchFamily="18" charset="0"/>
-                        <a:ea typeface="Calibri" panose="020F0502020204030204" pitchFamily="34" charset="0"/>
-                        <a:cs typeface="Times New Roman" panose="02020603050405020304" pitchFamily="18" charset="0"/>
-                      </a:rPr>
-                      <a:t>?</a:t>
-                    </a:r>
-                    <a:endParaRPr lang="es-ES" sz="1600">
-                      <a:effectLst/>
-                      <a:ea typeface="Calibri" panose="020F0502020204030204" pitchFamily="34" charset="0"/>
-                      <a:cs typeface="Times New Roman" panose="02020603050405020304" pitchFamily="18" charset="0"/>
-                    </a:endParaRPr>
-                  </a:p>
-                </p:txBody>
-              </p:sp>
-            </p:grpSp>
-            <p:sp>
-              <p:nvSpPr>
-                <p:cNvPr id="29" name="CuadroTexto 27">
-                  <a:extLst>
-                    <a:ext uri="{FF2B5EF4-FFF2-40B4-BE49-F238E27FC236}">
-                      <a16:creationId xmlns:a16="http://schemas.microsoft.com/office/drawing/2014/main" id="{D88539CC-BDBD-44B5-900D-E885FB07BA73}"/>
-                    </a:ext>
-                  </a:extLst>
-                </p:cNvPr>
-                <p:cNvSpPr txBox="1"/>
-                <p:nvPr/>
-              </p:nvSpPr>
-              <p:spPr>
-                <a:xfrm>
-                  <a:off x="5369349" y="-169407"/>
-                  <a:ext cx="1235838" cy="284228"/>
-                </a:xfrm>
-                <a:prstGeom prst="rect">
-                  <a:avLst/>
-                </a:prstGeom>
-                <a:noFill/>
-                <a:ln w="19050">
-                  <a:solidFill>
-                    <a:schemeClr val="tx1"/>
-                  </a:solidFill>
-                </a:ln>
-              </p:spPr>
-              <p:style>
-                <a:lnRef idx="2">
-                  <a:schemeClr val="accent6">
-                    <a:shade val="50000"/>
-                  </a:schemeClr>
-                </a:lnRef>
-                <a:fillRef idx="1">
-                  <a:schemeClr val="accent6"/>
-                </a:fillRef>
-                <a:effectRef idx="0">
-                  <a:schemeClr val="accent6"/>
-                </a:effectRef>
-                <a:fontRef idx="minor">
-                  <a:schemeClr val="lt1"/>
-                </a:fontRef>
-              </p:style>
-              <p:txBody>
-                <a:bodyPr wrap="square" rtlCol="0">
-                  <a:noAutofit/>
-                </a:bodyPr>
-                <a:lstStyle/>
-                <a:p>
-                  <a:pPr>
-                    <a:spcAft>
-                      <a:spcPts val="0"/>
-                    </a:spcAft>
-                  </a:pPr>
-                  <a:r>
-                    <a:rPr lang="en-US" sz="600">
-                      <a:effectLst/>
-                      <a:ea typeface="Calibri" panose="020F0502020204030204" pitchFamily="34" charset="0"/>
-                      <a:cs typeface="Times New Roman" panose="02020603050405020304" pitchFamily="18" charset="0"/>
-                    </a:rPr>
-                    <a:t> </a:t>
-                  </a:r>
-                  <a:endParaRPr lang="es-ES" sz="1600">
-                    <a:effectLst/>
-                    <a:ea typeface="Calibri" panose="020F0502020204030204" pitchFamily="34" charset="0"/>
-                    <a:cs typeface="Times New Roman" panose="02020603050405020304" pitchFamily="18" charset="0"/>
-                  </a:endParaRPr>
-                </a:p>
-                <a:p>
-                  <a:pPr algn="ctr">
-                    <a:lnSpc>
-                      <a:spcPct val="107000"/>
-                    </a:lnSpc>
-                    <a:spcAft>
-                      <a:spcPts val="800"/>
-                    </a:spcAft>
-                  </a:pPr>
-                  <a:r>
-                    <a:rPr lang="en-US" sz="2000" kern="1200">
-                      <a:solidFill>
-                        <a:srgbClr val="000000"/>
-                      </a:solidFill>
-                      <a:effectLst/>
-                      <a:latin typeface="Cambria Math" panose="02040503050406030204" pitchFamily="18" charset="0"/>
-                      <a:ea typeface="Calibri" panose="020F0502020204030204" pitchFamily="34" charset="0"/>
-                      <a:cs typeface="Times New Roman" panose="02020603050405020304" pitchFamily="18" charset="0"/>
-                    </a:rPr>
-                    <a:t>Población final</a:t>
-                  </a:r>
-                  <a:endParaRPr lang="es-ES" sz="1600">
-                    <a:effectLst/>
-                    <a:ea typeface="Calibri" panose="020F0502020204030204" pitchFamily="34" charset="0"/>
-                    <a:cs typeface="Times New Roman" panose="02020603050405020304" pitchFamily="18" charset="0"/>
-                  </a:endParaRPr>
-                </a:p>
-              </p:txBody>
-            </p:sp>
-            <p:grpSp>
-              <p:nvGrpSpPr>
-                <p:cNvPr id="30" name="Grupo 29">
-                  <a:extLst>
-                    <a:ext uri="{FF2B5EF4-FFF2-40B4-BE49-F238E27FC236}">
-                      <a16:creationId xmlns:a16="http://schemas.microsoft.com/office/drawing/2014/main" id="{6CFE3662-CCDE-46CC-A9ED-EB511B16709F}"/>
-                    </a:ext>
-                  </a:extLst>
-                </p:cNvPr>
-                <p:cNvGrpSpPr/>
-                <p:nvPr/>
-              </p:nvGrpSpPr>
-              <p:grpSpPr>
-                <a:xfrm>
-                  <a:off x="5968242" y="-700497"/>
-                  <a:ext cx="478155" cy="531090"/>
-                  <a:chOff x="5968242" y="-700497"/>
-                  <a:chExt cx="478155" cy="531090"/>
-                </a:xfrm>
-              </p:grpSpPr>
-              <p:cxnSp>
-                <p:nvCxnSpPr>
-                  <p:cNvPr id="31" name="Conector recto de flecha 30">
-                    <a:extLst>
-                      <a:ext uri="{FF2B5EF4-FFF2-40B4-BE49-F238E27FC236}">
-                        <a16:creationId xmlns:a16="http://schemas.microsoft.com/office/drawing/2014/main" id="{1F31E7C3-5A0B-4D0C-90DD-EFF06776A18B}"/>
-                      </a:ext>
-                    </a:extLst>
-                  </p:cNvPr>
-                  <p:cNvCxnSpPr>
-                    <a:cxnSpLocks/>
-                    <a:stCxn id="33" idx="2"/>
-                    <a:endCxn id="29" idx="0"/>
-                  </p:cNvCxnSpPr>
-                  <p:nvPr/>
-                </p:nvCxnSpPr>
-                <p:spPr>
-                  <a:xfrm flipH="1">
-                    <a:off x="5987237" y="-700497"/>
-                    <a:ext cx="1608" cy="531090"/>
-                  </a:xfrm>
-                  <a:prstGeom prst="straightConnector1">
-                    <a:avLst/>
-                  </a:prstGeom>
-                  <a:ln w="19050">
-                    <a:tailEnd type="triangle" w="lg" len="lg"/>
-                  </a:ln>
-                </p:spPr>
-                <p:style>
-                  <a:lnRef idx="1">
-                    <a:schemeClr val="dk1"/>
-                  </a:lnRef>
-                  <a:fillRef idx="0">
-                    <a:schemeClr val="dk1"/>
-                  </a:fillRef>
-                  <a:effectRef idx="0">
-                    <a:schemeClr val="dk1"/>
-                  </a:effectRef>
-                  <a:fontRef idx="minor">
-                    <a:schemeClr val="tx1"/>
-                  </a:fontRef>
-                </p:style>
-              </p:cxnSp>
-              <p:sp>
-                <p:nvSpPr>
-                  <p:cNvPr id="32" name="CuadroTexto 30">
-                    <a:extLst>
-                      <a:ext uri="{FF2B5EF4-FFF2-40B4-BE49-F238E27FC236}">
-                        <a16:creationId xmlns:a16="http://schemas.microsoft.com/office/drawing/2014/main" id="{2EF64DF1-7D76-422B-B6E1-9A265D7D2C98}"/>
-                      </a:ext>
-                    </a:extLst>
-                  </p:cNvPr>
-                  <p:cNvSpPr txBox="1"/>
-                  <p:nvPr/>
-                </p:nvSpPr>
-                <p:spPr>
-                  <a:xfrm>
-                    <a:off x="5968242" y="-699241"/>
-                    <a:ext cx="478155" cy="398780"/>
-                  </a:xfrm>
-                  <a:prstGeom prst="rect">
-                    <a:avLst/>
-                  </a:prstGeom>
-                  <a:noFill/>
-                  <a:ln w="19050">
-                    <a:noFill/>
-                  </a:ln>
-                </p:spPr>
-                <p:style>
-                  <a:lnRef idx="2">
-                    <a:schemeClr val="accent5">
-                      <a:shade val="50000"/>
-                    </a:schemeClr>
-                  </a:lnRef>
-                  <a:fillRef idx="1">
-                    <a:schemeClr val="accent5"/>
-                  </a:fillRef>
-                  <a:effectRef idx="0">
-                    <a:schemeClr val="accent5"/>
-                  </a:effectRef>
-                  <a:fontRef idx="minor">
-                    <a:schemeClr val="lt1"/>
-                  </a:fontRef>
-                </p:style>
-                <p:txBody>
-                  <a:bodyPr wrap="square" rtlCol="0">
-                    <a:noAutofit/>
-                  </a:bodyPr>
-                  <a:lstStyle/>
-                  <a:p>
-                    <a:pPr>
-                      <a:lnSpc>
-                        <a:spcPct val="107000"/>
-                      </a:lnSpc>
-                      <a:spcAft>
-                        <a:spcPts val="800"/>
-                      </a:spcAft>
-                    </a:pPr>
-                    <a:r>
-                      <a:rPr lang="es-ES" sz="2000" kern="1200">
-                        <a:solidFill>
-                          <a:srgbClr val="000000"/>
-                        </a:solidFill>
-                        <a:effectLst/>
-                        <a:latin typeface="Cambria Math" panose="02040503050406030204" pitchFamily="18" charset="0"/>
-                        <a:ea typeface="Calibri" panose="020F0502020204030204" pitchFamily="34" charset="0"/>
-                        <a:cs typeface="Times New Roman" panose="02020603050405020304" pitchFamily="18" charset="0"/>
-                      </a:rPr>
-                      <a:t>Sí</a:t>
-                    </a:r>
-                    <a:endParaRPr lang="es-ES" sz="1600">
-                      <a:effectLst/>
-                      <a:ea typeface="Calibri" panose="020F0502020204030204" pitchFamily="34" charset="0"/>
-                      <a:cs typeface="Times New Roman" panose="02020603050405020304" pitchFamily="18" charset="0"/>
-                    </a:endParaRPr>
-                  </a:p>
-                </p:txBody>
-              </p:sp>
-            </p:grpSp>
-          </p:grpSp>
-          <p:sp>
-            <p:nvSpPr>
-              <p:cNvPr id="8" name="CuadroTexto 5">
-                <a:extLst>
-                  <a:ext uri="{FF2B5EF4-FFF2-40B4-BE49-F238E27FC236}">
-                    <a16:creationId xmlns:a16="http://schemas.microsoft.com/office/drawing/2014/main" id="{D1E3E77C-289F-42BF-858E-CF11EA49DC6D}"/>
-                  </a:ext>
-                </a:extLst>
-              </p:cNvPr>
-              <p:cNvSpPr txBox="1"/>
-              <p:nvPr/>
-            </p:nvSpPr>
-            <p:spPr>
-              <a:xfrm>
-                <a:off x="4194619" y="-1248829"/>
-                <a:ext cx="668655" cy="398780"/>
-              </a:xfrm>
-              <a:prstGeom prst="rect">
-                <a:avLst/>
-              </a:prstGeom>
-              <a:noFill/>
-              <a:ln w="19050">
-                <a:noFill/>
-              </a:ln>
-            </p:spPr>
-            <p:style>
-              <a:lnRef idx="2">
-                <a:schemeClr val="accent5">
-                  <a:shade val="50000"/>
-                </a:schemeClr>
-              </a:lnRef>
-              <a:fillRef idx="1">
-                <a:schemeClr val="accent5"/>
-              </a:fillRef>
-              <a:effectRef idx="0">
-                <a:schemeClr val="accent5"/>
-              </a:effectRef>
-              <a:fontRef idx="minor">
-                <a:schemeClr val="lt1"/>
-              </a:fontRef>
-            </p:style>
-            <p:txBody>
-              <a:bodyPr wrap="square" rtlCol="0">
-                <a:noAutofit/>
-              </a:bodyPr>
-              <a:lstStyle/>
-              <a:p>
-                <a:pPr algn="ctr">
-                  <a:lnSpc>
-                    <a:spcPct val="107000"/>
-                  </a:lnSpc>
-                  <a:spcAft>
-                    <a:spcPts val="800"/>
-                  </a:spcAft>
-                </a:pPr>
-                <a:r>
-                  <a:rPr lang="en-US" sz="2000" kern="1200">
-                    <a:solidFill>
-                      <a:srgbClr val="000000"/>
-                    </a:solidFill>
-                    <a:effectLst/>
-                    <a:latin typeface="Cambria Math" panose="02040503050406030204" pitchFamily="18" charset="0"/>
-                    <a:ea typeface="Calibri" panose="020F0502020204030204" pitchFamily="34" charset="0"/>
-                    <a:cs typeface="Times New Roman" panose="02020603050405020304" pitchFamily="18" charset="0"/>
-                  </a:rPr>
-                  <a:t>No</a:t>
-                </a:r>
-                <a:endParaRPr lang="es-ES" sz="1600">
-                  <a:effectLst/>
-                  <a:ea typeface="Calibri" panose="020F0502020204030204" pitchFamily="34" charset="0"/>
-                  <a:cs typeface="Times New Roman" panose="02020603050405020304" pitchFamily="18" charset="0"/>
-                </a:endParaRPr>
-              </a:p>
-            </p:txBody>
-          </p:sp>
-          <p:grpSp>
-            <p:nvGrpSpPr>
-              <p:cNvPr id="9" name="Grupo 8">
-                <a:extLst>
-                  <a:ext uri="{FF2B5EF4-FFF2-40B4-BE49-F238E27FC236}">
-                    <a16:creationId xmlns:a16="http://schemas.microsoft.com/office/drawing/2014/main" id="{054BFE73-6C35-4153-8221-4463294C384A}"/>
-                  </a:ext>
-                </a:extLst>
-              </p:cNvPr>
-              <p:cNvGrpSpPr/>
-              <p:nvPr/>
-            </p:nvGrpSpPr>
-            <p:grpSpPr>
-              <a:xfrm>
-                <a:off x="2904043" y="-1310829"/>
-                <a:ext cx="1404872" cy="606420"/>
-                <a:chOff x="2904043" y="-1310829"/>
-                <a:chExt cx="1404872" cy="606420"/>
-              </a:xfrm>
-            </p:grpSpPr>
-            <p:sp>
-              <p:nvSpPr>
-                <p:cNvPr id="22" name="Diagrama de flujo: decisión 21">
-                  <a:extLst>
-                    <a:ext uri="{FF2B5EF4-FFF2-40B4-BE49-F238E27FC236}">
-                      <a16:creationId xmlns:a16="http://schemas.microsoft.com/office/drawing/2014/main" id="{DE084028-1AD7-484A-8ABF-03EFD033E404}"/>
-                    </a:ext>
-                  </a:extLst>
-                </p:cNvPr>
-                <p:cNvSpPr/>
-                <p:nvPr/>
-              </p:nvSpPr>
-              <p:spPr>
-                <a:xfrm>
-                  <a:off x="2904043" y="-1310829"/>
-                  <a:ext cx="1404872" cy="606420"/>
-                </a:xfrm>
-                <a:prstGeom prst="flowChartDecision">
-                  <a:avLst/>
-                </a:prstGeom>
-                <a:noFill/>
-                <a:ln w="19050">
-                  <a:solidFill>
-                    <a:schemeClr val="tx1"/>
-                  </a:solidFill>
-                </a:ln>
-              </p:spPr>
-              <p:style>
-                <a:lnRef idx="2">
-                  <a:schemeClr val="accent2">
-                    <a:shade val="50000"/>
-                  </a:schemeClr>
-                </a:lnRef>
-                <a:fillRef idx="1">
-                  <a:schemeClr val="accent2"/>
-                </a:fillRef>
-                <a:effectRef idx="0">
-                  <a:schemeClr val="accent2"/>
-                </a:effectRef>
-                <a:fontRef idx="minor">
-                  <a:schemeClr val="lt1"/>
-                </a:fontRef>
-              </p:style>
-              <p:txBody>
-                <a:bodyPr rtlCol="0" anchor="ctr"/>
-                <a:lstStyle/>
-                <a:p>
-                  <a:endParaRPr lang="es-ES" sz="2800"/>
-                </a:p>
-              </p:txBody>
-            </p:sp>
-            <p:sp>
-              <p:nvSpPr>
-                <p:cNvPr id="23" name="CuadroTexto 21">
-                  <a:extLst>
-                    <a:ext uri="{FF2B5EF4-FFF2-40B4-BE49-F238E27FC236}">
-                      <a16:creationId xmlns:a16="http://schemas.microsoft.com/office/drawing/2014/main" id="{25F8BFD1-646D-48B8-A0F1-54CF256850FA}"/>
-                    </a:ext>
-                  </a:extLst>
-                </p:cNvPr>
-                <p:cNvSpPr txBox="1"/>
-                <p:nvPr/>
-              </p:nvSpPr>
-              <p:spPr>
-                <a:xfrm>
-                  <a:off x="3000573" y="-1130534"/>
-                  <a:ext cx="1219778" cy="333604"/>
-                </a:xfrm>
-                <a:prstGeom prst="rect">
-                  <a:avLst/>
-                </a:prstGeom>
-                <a:noFill/>
-                <a:ln w="19050">
-                  <a:noFill/>
-                </a:ln>
-              </p:spPr>
-              <p:style>
-                <a:lnRef idx="2">
-                  <a:schemeClr val="accent5">
-                    <a:shade val="50000"/>
-                  </a:schemeClr>
-                </a:lnRef>
-                <a:fillRef idx="1">
-                  <a:schemeClr val="accent5"/>
-                </a:fillRef>
-                <a:effectRef idx="0">
-                  <a:schemeClr val="accent5"/>
-                </a:effectRef>
-                <a:fontRef idx="minor">
-                  <a:schemeClr val="lt1"/>
-                </a:fontRef>
-              </p:style>
-              <p:txBody>
-                <a:bodyPr wrap="square" rtlCol="0">
-                  <a:noAutofit/>
-                </a:bodyPr>
-                <a:lstStyle/>
-                <a:p>
-                  <a:pPr algn="ctr">
-                    <a:lnSpc>
-                      <a:spcPct val="107000"/>
-                    </a:lnSpc>
-                    <a:spcAft>
-                      <a:spcPts val="800"/>
-                    </a:spcAft>
-                  </a:pPr>
-                  <a:r>
-                    <a:rPr lang="en-US" sz="2000" kern="1200">
-                      <a:solidFill>
-                        <a:srgbClr val="000000"/>
-                      </a:solidFill>
-                      <a:effectLst/>
-                      <a:latin typeface="Cambria Math" panose="02040503050406030204" pitchFamily="18" charset="0"/>
-                      <a:ea typeface="Calibri" panose="020F0502020204030204" pitchFamily="34" charset="0"/>
-                      <a:cs typeface="Times New Roman" panose="02020603050405020304" pitchFamily="18" charset="0"/>
-                    </a:rPr>
-                    <a:t>¿</a:t>
-                  </a:r>
-                  <a:r>
-                    <a:rPr lang="es-ES" sz="2000" kern="1200">
-                      <a:solidFill>
-                        <a:srgbClr val="000000"/>
-                      </a:solidFill>
-                      <a:effectLst/>
-                      <a:latin typeface="Cambria Math" panose="02040503050406030204" pitchFamily="18" charset="0"/>
-                      <a:ea typeface="Calibri" panose="020F0502020204030204" pitchFamily="34" charset="0"/>
-                      <a:cs typeface="Times New Roman" panose="02020603050405020304" pitchFamily="18" charset="0"/>
-                    </a:rPr>
-                    <a:t>Evolucionado</a:t>
-                  </a:r>
-                  <a:r>
-                    <a:rPr lang="en-US" sz="2000" kern="1200">
-                      <a:solidFill>
-                        <a:srgbClr val="000000"/>
-                      </a:solidFill>
-                      <a:effectLst/>
-                      <a:latin typeface="Cambria Math" panose="02040503050406030204" pitchFamily="18" charset="0"/>
-                      <a:ea typeface="Calibri" panose="020F0502020204030204" pitchFamily="34" charset="0"/>
-                      <a:cs typeface="Times New Roman" panose="02020603050405020304" pitchFamily="18" charset="0"/>
-                    </a:rPr>
-                    <a:t>?</a:t>
-                  </a:r>
-                  <a:endParaRPr lang="es-ES" sz="1600">
+                  <a:endParaRPr lang="es-ES" sz="1700" dirty="0">
                     <a:effectLst/>
                     <a:ea typeface="Calibri" panose="020F0502020204030204" pitchFamily="34" charset="0"/>
                     <a:cs typeface="Times New Roman" panose="02020603050405020304" pitchFamily="18" charset="0"/>
@@ -4355,131 +4792,33 @@
               </p:txBody>
             </p:sp>
           </p:grpSp>
-          <p:sp>
-            <p:nvSpPr>
-              <p:cNvPr id="10" name="CuadroTexto 7">
+          <p:cxnSp>
+            <p:nvCxnSpPr>
+              <p:cNvPr id="137" name="Conector recto de flecha 136">
                 <a:extLst>
                   <a:ext uri="{FF2B5EF4-FFF2-40B4-BE49-F238E27FC236}">
-                    <a16:creationId xmlns:a16="http://schemas.microsoft.com/office/drawing/2014/main" id="{79622582-9103-4AE6-B73C-5F9E9323BB46}"/>
-                  </a:ext>
-                </a:extLst>
-              </p:cNvPr>
-              <p:cNvSpPr txBox="1"/>
-              <p:nvPr/>
-            </p:nvSpPr>
-            <p:spPr>
-              <a:xfrm>
-                <a:off x="564330" y="-783825"/>
-                <a:ext cx="1015327" cy="282727"/>
-              </a:xfrm>
-              <a:prstGeom prst="rect">
-                <a:avLst/>
-              </a:prstGeom>
-              <a:noFill/>
-              <a:ln w="19050">
-                <a:solidFill>
-                  <a:schemeClr val="tx1"/>
-                </a:solidFill>
-              </a:ln>
-            </p:spPr>
-            <p:style>
-              <a:lnRef idx="2">
-                <a:schemeClr val="accent3">
-                  <a:shade val="50000"/>
-                </a:schemeClr>
-              </a:lnRef>
-              <a:fillRef idx="1">
-                <a:schemeClr val="accent3"/>
-              </a:fillRef>
-              <a:effectRef idx="0">
-                <a:schemeClr val="accent3"/>
-              </a:effectRef>
-              <a:fontRef idx="minor">
-                <a:schemeClr val="lt1"/>
-              </a:fontRef>
-            </p:style>
-            <p:txBody>
-              <a:bodyPr wrap="square" rtlCol="0">
-                <a:noAutofit/>
-              </a:bodyPr>
-              <a:lstStyle/>
-              <a:p>
-                <a:pPr>
-                  <a:spcAft>
-                    <a:spcPts val="0"/>
-                  </a:spcAft>
-                </a:pPr>
-                <a:r>
-                  <a:rPr lang="es-ES" sz="600">
-                    <a:effectLst/>
-                    <a:ea typeface="Calibri" panose="020F0502020204030204" pitchFamily="34" charset="0"/>
-                    <a:cs typeface="Times New Roman" panose="02020603050405020304" pitchFamily="18" charset="0"/>
-                  </a:rPr>
-                  <a:t> </a:t>
-                </a:r>
-                <a:endParaRPr lang="es-ES" sz="1600">
-                  <a:effectLst/>
-                  <a:ea typeface="Calibri" panose="020F0502020204030204" pitchFamily="34" charset="0"/>
-                  <a:cs typeface="Times New Roman" panose="02020603050405020304" pitchFamily="18" charset="0"/>
-                </a:endParaRPr>
-              </a:p>
-              <a:p>
-                <a:pPr algn="ctr">
-                  <a:lnSpc>
-                    <a:spcPct val="107000"/>
-                  </a:lnSpc>
-                  <a:spcAft>
-                    <a:spcPts val="800"/>
-                  </a:spcAft>
-                </a:pPr>
-                <a:r>
-                  <a:rPr lang="es-ES" sz="2000" kern="1200">
-                    <a:solidFill>
-                      <a:srgbClr val="000000"/>
-                    </a:solidFill>
-                    <a:effectLst/>
-                    <a:latin typeface="Cambria Math" panose="02040503050406030204" pitchFamily="18" charset="0"/>
-                    <a:ea typeface="Calibri" panose="020F0502020204030204" pitchFamily="34" charset="0"/>
-                    <a:cs typeface="Times New Roman" panose="02020603050405020304" pitchFamily="18" charset="0"/>
-                  </a:rPr>
-                  <a:t>Reemplazo</a:t>
-                </a:r>
-                <a:endParaRPr lang="es-ES" sz="1600">
-                  <a:effectLst/>
-                  <a:ea typeface="Calibri" panose="020F0502020204030204" pitchFamily="34" charset="0"/>
-                  <a:cs typeface="Times New Roman" panose="02020603050405020304" pitchFamily="18" charset="0"/>
-                </a:endParaRPr>
-              </a:p>
-            </p:txBody>
-          </p:sp>
-          <p:cxnSp>
-            <p:nvCxnSpPr>
-              <p:cNvPr id="11" name="Conector: angular 10">
-                <a:extLst>
-                  <a:ext uri="{FF2B5EF4-FFF2-40B4-BE49-F238E27FC236}">
-                    <a16:creationId xmlns:a16="http://schemas.microsoft.com/office/drawing/2014/main" id="{2048B57D-1074-43A3-B17F-9BF5D1A64A4E}"/>
+                    <a16:creationId xmlns:a16="http://schemas.microsoft.com/office/drawing/2014/main" id="{23660ADC-3D8C-40DE-A86D-0F850B01F38D}"/>
                   </a:ext>
                 </a:extLst>
               </p:cNvPr>
               <p:cNvCxnSpPr>
-                <a:stCxn id="10" idx="0"/>
-                <a:endCxn id="25" idx="1"/>
+                <a:cxnSpLocks/>
+                <a:stCxn id="14" idx="2"/>
+                <a:endCxn id="104" idx="0"/>
               </p:cNvCxnSpPr>
               <p:nvPr/>
             </p:nvCxnSpPr>
             <p:spPr>
-              <a:xfrm rot="5400000" flipH="1" flipV="1">
-                <a:off x="2055423" y="-4098103"/>
-                <a:ext cx="2330849" cy="4297707"/>
+              <a:xfrm>
+                <a:off x="5984979" y="4026248"/>
+                <a:ext cx="143" cy="246901"/>
               </a:xfrm>
-              <a:prstGeom prst="bentConnector2">
+              <a:prstGeom prst="straightConnector1">
                 <a:avLst/>
               </a:prstGeom>
-              <a:ln w="19050">
-                <a:solidFill>
-                  <a:schemeClr val="tx1"/>
-                </a:solidFill>
-                <a:tailEnd type="triangle" w="lg" len="lg"/>
+              <a:ln w="9525">
+                <a:prstDash val="dash"/>
+                <a:tailEnd type="triangle" w="lg" len="med"/>
               </a:ln>
             </p:spPr>
             <p:style>
@@ -4497,710 +4836,7 @@
               </a:fontRef>
             </p:style>
           </p:cxnSp>
-          <p:sp>
-            <p:nvSpPr>
-              <p:cNvPr id="12" name="CuadroTexto 9">
-                <a:extLst>
-                  <a:ext uri="{FF2B5EF4-FFF2-40B4-BE49-F238E27FC236}">
-                    <a16:creationId xmlns:a16="http://schemas.microsoft.com/office/drawing/2014/main" id="{B791FE5F-B800-476B-AC05-946BF46268A4}"/>
-                  </a:ext>
-                </a:extLst>
-              </p:cNvPr>
-              <p:cNvSpPr txBox="1"/>
-              <p:nvPr/>
-            </p:nvSpPr>
-            <p:spPr>
-              <a:xfrm>
-                <a:off x="1519617" y="-1710703"/>
-                <a:ext cx="938447" cy="284190"/>
-              </a:xfrm>
-              <a:prstGeom prst="rect">
-                <a:avLst/>
-              </a:prstGeom>
-              <a:noFill/>
-              <a:ln w="19050">
-                <a:solidFill>
-                  <a:schemeClr val="tx1"/>
-                </a:solidFill>
-              </a:ln>
-            </p:spPr>
-            <p:style>
-              <a:lnRef idx="2">
-                <a:schemeClr val="accent3">
-                  <a:shade val="50000"/>
-                </a:schemeClr>
-              </a:lnRef>
-              <a:fillRef idx="1">
-                <a:schemeClr val="accent3"/>
-              </a:fillRef>
-              <a:effectRef idx="0">
-                <a:schemeClr val="accent3"/>
-              </a:effectRef>
-              <a:fontRef idx="minor">
-                <a:schemeClr val="lt1"/>
-              </a:fontRef>
-            </p:style>
-            <p:txBody>
-              <a:bodyPr wrap="square" rtlCol="0">
-                <a:noAutofit/>
-              </a:bodyPr>
-              <a:lstStyle/>
-              <a:p>
-                <a:pPr>
-                  <a:spcAft>
-                    <a:spcPts val="0"/>
-                  </a:spcAft>
-                </a:pPr>
-                <a:r>
-                  <a:rPr lang="en-US" sz="600">
-                    <a:effectLst/>
-                    <a:ea typeface="Calibri" panose="020F0502020204030204" pitchFamily="34" charset="0"/>
-                    <a:cs typeface="Times New Roman" panose="02020603050405020304" pitchFamily="18" charset="0"/>
-                  </a:rPr>
-                  <a:t> </a:t>
-                </a:r>
-                <a:endParaRPr lang="es-ES" sz="1600">
-                  <a:effectLst/>
-                  <a:ea typeface="Calibri" panose="020F0502020204030204" pitchFamily="34" charset="0"/>
-                  <a:cs typeface="Times New Roman" panose="02020603050405020304" pitchFamily="18" charset="0"/>
-                </a:endParaRPr>
-              </a:p>
-              <a:p>
-                <a:pPr algn="ctr">
-                  <a:lnSpc>
-                    <a:spcPct val="107000"/>
-                  </a:lnSpc>
-                  <a:spcAft>
-                    <a:spcPts val="800"/>
-                  </a:spcAft>
-                </a:pPr>
-                <a:r>
-                  <a:rPr lang="en-US" sz="2000" kern="1200">
-                    <a:solidFill>
-                      <a:srgbClr val="000000"/>
-                    </a:solidFill>
-                    <a:effectLst/>
-                    <a:latin typeface="Cambria Math" panose="02040503050406030204" pitchFamily="18" charset="0"/>
-                    <a:ea typeface="Calibri" panose="020F0502020204030204" pitchFamily="34" charset="0"/>
-                    <a:cs typeface="Times New Roman" panose="02020603050405020304" pitchFamily="18" charset="0"/>
-                  </a:rPr>
-                  <a:t>Selección</a:t>
-                </a:r>
-                <a:endParaRPr lang="es-ES" sz="1600">
-                  <a:effectLst/>
-                  <a:ea typeface="Calibri" panose="020F0502020204030204" pitchFamily="34" charset="0"/>
-                  <a:cs typeface="Times New Roman" panose="02020603050405020304" pitchFamily="18" charset="0"/>
-                </a:endParaRPr>
-              </a:p>
-            </p:txBody>
-          </p:sp>
-          <p:sp>
-            <p:nvSpPr>
-              <p:cNvPr id="13" name="CuadroTexto 10">
-                <a:extLst>
-                  <a:ext uri="{FF2B5EF4-FFF2-40B4-BE49-F238E27FC236}">
-                    <a16:creationId xmlns:a16="http://schemas.microsoft.com/office/drawing/2014/main" id="{110CE136-4401-460F-A758-EAD381DC595A}"/>
-                  </a:ext>
-                </a:extLst>
-              </p:cNvPr>
-              <p:cNvSpPr txBox="1"/>
-              <p:nvPr/>
-            </p:nvSpPr>
-            <p:spPr>
-              <a:xfrm>
-                <a:off x="2693803" y="-2226273"/>
-                <a:ext cx="676008" cy="284206"/>
-              </a:xfrm>
-              <a:prstGeom prst="rect">
-                <a:avLst/>
-              </a:prstGeom>
-              <a:noFill/>
-              <a:ln w="19050">
-                <a:solidFill>
-                  <a:schemeClr val="tx1"/>
-                </a:solidFill>
-                <a:prstDash val="lgDash"/>
-              </a:ln>
-            </p:spPr>
-            <p:style>
-              <a:lnRef idx="2">
-                <a:schemeClr val="accent5">
-                  <a:shade val="50000"/>
-                </a:schemeClr>
-              </a:lnRef>
-              <a:fillRef idx="1">
-                <a:schemeClr val="accent5"/>
-              </a:fillRef>
-              <a:effectRef idx="0">
-                <a:schemeClr val="accent5"/>
-              </a:effectRef>
-              <a:fontRef idx="minor">
-                <a:schemeClr val="lt1"/>
-              </a:fontRef>
-            </p:style>
-            <p:txBody>
-              <a:bodyPr wrap="square" rtlCol="0">
-                <a:noAutofit/>
-              </a:bodyPr>
-              <a:lstStyle/>
-              <a:p>
-                <a:pPr>
-                  <a:spcAft>
-                    <a:spcPts val="0"/>
-                  </a:spcAft>
-                </a:pPr>
-                <a:r>
-                  <a:rPr lang="es-ES" sz="600" dirty="0">
-                    <a:effectLst/>
-                    <a:ea typeface="Calibri" panose="020F0502020204030204" pitchFamily="34" charset="0"/>
-                    <a:cs typeface="Times New Roman" panose="02020603050405020304" pitchFamily="18" charset="0"/>
-                  </a:rPr>
-                  <a:t> </a:t>
-                </a:r>
-                <a:endParaRPr lang="es-ES" sz="1600" dirty="0">
-                  <a:effectLst/>
-                  <a:ea typeface="Calibri" panose="020F0502020204030204" pitchFamily="34" charset="0"/>
-                  <a:cs typeface="Times New Roman" panose="02020603050405020304" pitchFamily="18" charset="0"/>
-                </a:endParaRPr>
-              </a:p>
-              <a:p>
-                <a:pPr algn="ctr">
-                  <a:lnSpc>
-                    <a:spcPct val="107000"/>
-                  </a:lnSpc>
-                  <a:spcAft>
-                    <a:spcPts val="800"/>
-                  </a:spcAft>
-                </a:pPr>
-                <a:r>
-                  <a:rPr lang="es-ES" sz="2000" kern="1200" dirty="0">
-                    <a:solidFill>
-                      <a:srgbClr val="000000"/>
-                    </a:solidFill>
-                    <a:effectLst/>
-                    <a:latin typeface="Cambria Math" panose="02040503050406030204" pitchFamily="18" charset="0"/>
-                    <a:ea typeface="Calibri" panose="020F0502020204030204" pitchFamily="34" charset="0"/>
-                    <a:cs typeface="Times New Roman" panose="02020603050405020304" pitchFamily="18" charset="0"/>
-                  </a:rPr>
-                  <a:t>Cruce</a:t>
-                </a:r>
-                <a:endParaRPr lang="es-ES" sz="1600" dirty="0">
-                  <a:effectLst/>
-                  <a:ea typeface="Calibri" panose="020F0502020204030204" pitchFamily="34" charset="0"/>
-                  <a:cs typeface="Times New Roman" panose="02020603050405020304" pitchFamily="18" charset="0"/>
-                </a:endParaRPr>
-              </a:p>
-            </p:txBody>
-          </p:sp>
-          <p:sp>
-            <p:nvSpPr>
-              <p:cNvPr id="14" name="CuadroTexto 11">
-                <a:extLst>
-                  <a:ext uri="{FF2B5EF4-FFF2-40B4-BE49-F238E27FC236}">
-                    <a16:creationId xmlns:a16="http://schemas.microsoft.com/office/drawing/2014/main" id="{CF2D51AE-CD48-4737-BD9B-C52FA2794E88}"/>
-                  </a:ext>
-                </a:extLst>
-              </p:cNvPr>
-              <p:cNvSpPr txBox="1"/>
-              <p:nvPr/>
-            </p:nvSpPr>
-            <p:spPr>
-              <a:xfrm>
-                <a:off x="3935278" y="-2226173"/>
-                <a:ext cx="956281" cy="284221"/>
-              </a:xfrm>
-              <a:prstGeom prst="rect">
-                <a:avLst/>
-              </a:prstGeom>
-              <a:noFill/>
-              <a:ln w="19050">
-                <a:solidFill>
-                  <a:schemeClr val="tx1"/>
-                </a:solidFill>
-                <a:prstDash val="lgDash"/>
-              </a:ln>
-            </p:spPr>
-            <p:style>
-              <a:lnRef idx="2">
-                <a:schemeClr val="accent5">
-                  <a:shade val="50000"/>
-                </a:schemeClr>
-              </a:lnRef>
-              <a:fillRef idx="1">
-                <a:schemeClr val="accent5"/>
-              </a:fillRef>
-              <a:effectRef idx="0">
-                <a:schemeClr val="accent5"/>
-              </a:effectRef>
-              <a:fontRef idx="minor">
-                <a:schemeClr val="lt1"/>
-              </a:fontRef>
-            </p:style>
-            <p:txBody>
-              <a:bodyPr wrap="square" rtlCol="0">
-                <a:noAutofit/>
-              </a:bodyPr>
-              <a:lstStyle/>
-              <a:p>
-                <a:pPr>
-                  <a:spcAft>
-                    <a:spcPts val="0"/>
-                  </a:spcAft>
-                </a:pPr>
-                <a:r>
-                  <a:rPr lang="en-US" sz="600">
-                    <a:effectLst/>
-                    <a:ea typeface="Calibri" panose="020F0502020204030204" pitchFamily="34" charset="0"/>
-                    <a:cs typeface="Times New Roman" panose="02020603050405020304" pitchFamily="18" charset="0"/>
-                  </a:rPr>
-                  <a:t> </a:t>
-                </a:r>
-                <a:endParaRPr lang="es-ES" sz="1600">
-                  <a:effectLst/>
-                  <a:ea typeface="Calibri" panose="020F0502020204030204" pitchFamily="34" charset="0"/>
-                  <a:cs typeface="Times New Roman" panose="02020603050405020304" pitchFamily="18" charset="0"/>
-                </a:endParaRPr>
-              </a:p>
-              <a:p>
-                <a:pPr algn="ctr">
-                  <a:lnSpc>
-                    <a:spcPct val="107000"/>
-                  </a:lnSpc>
-                  <a:spcAft>
-                    <a:spcPts val="800"/>
-                  </a:spcAft>
-                </a:pPr>
-                <a:r>
-                  <a:rPr lang="en-US" sz="2000" kern="1200">
-                    <a:solidFill>
-                      <a:srgbClr val="000000"/>
-                    </a:solidFill>
-                    <a:effectLst/>
-                    <a:latin typeface="Cambria Math" panose="02040503050406030204" pitchFamily="18" charset="0"/>
-                    <a:ea typeface="Calibri" panose="020F0502020204030204" pitchFamily="34" charset="0"/>
-                    <a:cs typeface="Times New Roman" panose="02020603050405020304" pitchFamily="18" charset="0"/>
-                  </a:rPr>
-                  <a:t>Mutación</a:t>
-                </a:r>
-                <a:endParaRPr lang="es-ES" sz="1600">
-                  <a:effectLst/>
-                  <a:ea typeface="Calibri" panose="020F0502020204030204" pitchFamily="34" charset="0"/>
-                  <a:cs typeface="Times New Roman" panose="02020603050405020304" pitchFamily="18" charset="0"/>
-                </a:endParaRPr>
-              </a:p>
-            </p:txBody>
-          </p:sp>
-          <p:cxnSp>
-            <p:nvCxnSpPr>
-              <p:cNvPr id="15" name="Conector recto de flecha 14">
-                <a:extLst>
-                  <a:ext uri="{FF2B5EF4-FFF2-40B4-BE49-F238E27FC236}">
-                    <a16:creationId xmlns:a16="http://schemas.microsoft.com/office/drawing/2014/main" id="{3C5B5540-D7B4-4350-B66F-36F26ED3E256}"/>
-                  </a:ext>
-                </a:extLst>
-              </p:cNvPr>
-              <p:cNvCxnSpPr>
-                <a:cxnSpLocks/>
-                <a:stCxn id="13" idx="3"/>
-                <a:endCxn id="14" idx="1"/>
-              </p:cNvCxnSpPr>
-              <p:nvPr/>
-            </p:nvCxnSpPr>
-            <p:spPr>
-              <a:xfrm>
-                <a:off x="3369811" y="-2084170"/>
-                <a:ext cx="565467" cy="108"/>
-              </a:xfrm>
-              <a:prstGeom prst="straightConnector1">
-                <a:avLst/>
-              </a:prstGeom>
-              <a:ln w="19050">
-                <a:prstDash val="lgDash"/>
-                <a:tailEnd type="triangle" w="lg" len="lg"/>
-              </a:ln>
-            </p:spPr>
-            <p:style>
-              <a:lnRef idx="1">
-                <a:schemeClr val="dk1"/>
-              </a:lnRef>
-              <a:fillRef idx="0">
-                <a:schemeClr val="dk1"/>
-              </a:fillRef>
-              <a:effectRef idx="0">
-                <a:schemeClr val="dk1"/>
-              </a:effectRef>
-              <a:fontRef idx="minor">
-                <a:schemeClr val="tx1"/>
-              </a:fontRef>
-            </p:style>
-          </p:cxnSp>
-          <p:cxnSp>
-            <p:nvCxnSpPr>
-              <p:cNvPr id="16" name="Conector: angular 15">
-                <a:extLst>
-                  <a:ext uri="{FF2B5EF4-FFF2-40B4-BE49-F238E27FC236}">
-                    <a16:creationId xmlns:a16="http://schemas.microsoft.com/office/drawing/2014/main" id="{0AADC100-53E5-4C2E-8409-12FDEB887175}"/>
-                  </a:ext>
-                </a:extLst>
-              </p:cNvPr>
-              <p:cNvCxnSpPr>
-                <a:stCxn id="22" idx="2"/>
-                <a:endCxn id="10" idx="2"/>
-              </p:cNvCxnSpPr>
-              <p:nvPr/>
-            </p:nvCxnSpPr>
-            <p:spPr>
-              <a:xfrm rot="5400000">
-                <a:off x="2237581" y="-1869997"/>
-                <a:ext cx="203311" cy="2534486"/>
-              </a:xfrm>
-              <a:prstGeom prst="bentConnector3">
-                <a:avLst>
-                  <a:gd name="adj1" fmla="val 404056"/>
-                </a:avLst>
-              </a:prstGeom>
-              <a:ln w="19050">
-                <a:tailEnd type="triangle" w="lg" len="lg"/>
-              </a:ln>
-            </p:spPr>
-            <p:style>
-              <a:lnRef idx="1">
-                <a:schemeClr val="dk1"/>
-              </a:lnRef>
-              <a:fillRef idx="0">
-                <a:schemeClr val="dk1"/>
-              </a:fillRef>
-              <a:effectRef idx="0">
-                <a:schemeClr val="dk1"/>
-              </a:effectRef>
-              <a:fontRef idx="minor">
-                <a:schemeClr val="tx1"/>
-              </a:fontRef>
-            </p:style>
-          </p:cxnSp>
-          <p:cxnSp>
-            <p:nvCxnSpPr>
-              <p:cNvPr id="17" name="Conector recto de flecha 16">
-                <a:extLst>
-                  <a:ext uri="{FF2B5EF4-FFF2-40B4-BE49-F238E27FC236}">
-                    <a16:creationId xmlns:a16="http://schemas.microsoft.com/office/drawing/2014/main" id="{90BDC8F4-EB2B-4FD8-B58E-166FDD3FB94D}"/>
-                  </a:ext>
-                </a:extLst>
-              </p:cNvPr>
-              <p:cNvCxnSpPr>
-                <a:cxnSpLocks/>
-                <a:stCxn id="14" idx="3"/>
-                <a:endCxn id="27" idx="1"/>
-              </p:cNvCxnSpPr>
-              <p:nvPr/>
-            </p:nvCxnSpPr>
-            <p:spPr>
-              <a:xfrm>
-                <a:off x="4891559" y="-2084062"/>
-                <a:ext cx="477955" cy="1000"/>
-              </a:xfrm>
-              <a:prstGeom prst="straightConnector1">
-                <a:avLst/>
-              </a:prstGeom>
-              <a:ln w="19050">
-                <a:tailEnd type="triangle" w="lg" len="lg"/>
-              </a:ln>
-            </p:spPr>
-            <p:style>
-              <a:lnRef idx="1">
-                <a:schemeClr val="dk1"/>
-              </a:lnRef>
-              <a:fillRef idx="0">
-                <a:schemeClr val="dk1"/>
-              </a:fillRef>
-              <a:effectRef idx="0">
-                <a:schemeClr val="dk1"/>
-              </a:effectRef>
-              <a:fontRef idx="minor">
-                <a:schemeClr val="tx1"/>
-              </a:fontRef>
-            </p:style>
-          </p:cxnSp>
-          <p:cxnSp>
-            <p:nvCxnSpPr>
-              <p:cNvPr id="18" name="Conector recto de flecha 17">
-                <a:extLst>
-                  <a:ext uri="{FF2B5EF4-FFF2-40B4-BE49-F238E27FC236}">
-                    <a16:creationId xmlns:a16="http://schemas.microsoft.com/office/drawing/2014/main" id="{7987CE9A-48CE-4C34-B85F-4BC06E63C990}"/>
-                  </a:ext>
-                </a:extLst>
-              </p:cNvPr>
-              <p:cNvCxnSpPr>
-                <a:stCxn id="33" idx="1"/>
-                <a:endCxn id="22" idx="3"/>
-              </p:cNvCxnSpPr>
-              <p:nvPr/>
-            </p:nvCxnSpPr>
-            <p:spPr>
-              <a:xfrm flipH="1" flipV="1">
-                <a:off x="4308915" y="-1007619"/>
-                <a:ext cx="973044" cy="1956"/>
-              </a:xfrm>
-              <a:prstGeom prst="straightConnector1">
-                <a:avLst/>
-              </a:prstGeom>
-              <a:ln w="19050">
-                <a:tailEnd type="triangle" w="lg" len="lg"/>
-              </a:ln>
-            </p:spPr>
-            <p:style>
-              <a:lnRef idx="1">
-                <a:schemeClr val="dk1"/>
-              </a:lnRef>
-              <a:fillRef idx="0">
-                <a:schemeClr val="dk1"/>
-              </a:fillRef>
-              <a:effectRef idx="0">
-                <a:schemeClr val="dk1"/>
-              </a:effectRef>
-              <a:fontRef idx="minor">
-                <a:schemeClr val="tx1"/>
-              </a:fontRef>
-            </p:style>
-          </p:cxnSp>
-          <p:cxnSp>
-            <p:nvCxnSpPr>
-              <p:cNvPr id="19" name="Conector: angular 18">
-                <a:extLst>
-                  <a:ext uri="{FF2B5EF4-FFF2-40B4-BE49-F238E27FC236}">
-                    <a16:creationId xmlns:a16="http://schemas.microsoft.com/office/drawing/2014/main" id="{5C161F7D-85FF-4D29-BDB1-5EA09415A6DF}"/>
-                  </a:ext>
-                </a:extLst>
-              </p:cNvPr>
-              <p:cNvCxnSpPr>
-                <a:stCxn id="22" idx="1"/>
-                <a:endCxn id="12" idx="2"/>
-              </p:cNvCxnSpPr>
-              <p:nvPr/>
-            </p:nvCxnSpPr>
-            <p:spPr>
-              <a:xfrm rot="10800000">
-                <a:off x="1988842" y="-1426513"/>
-                <a:ext cx="915202" cy="418894"/>
-              </a:xfrm>
-              <a:prstGeom prst="bentConnector2">
-                <a:avLst/>
-              </a:prstGeom>
-              <a:ln w="19050">
-                <a:tailEnd type="triangle" w="lg" len="lg"/>
-              </a:ln>
-            </p:spPr>
-            <p:style>
-              <a:lnRef idx="1">
-                <a:schemeClr val="dk1"/>
-              </a:lnRef>
-              <a:fillRef idx="0">
-                <a:schemeClr val="dk1"/>
-              </a:fillRef>
-              <a:effectRef idx="0">
-                <a:schemeClr val="dk1"/>
-              </a:effectRef>
-              <a:fontRef idx="minor">
-                <a:schemeClr val="tx1"/>
-              </a:fontRef>
-            </p:style>
-          </p:cxnSp>
-          <p:sp>
-            <p:nvSpPr>
-              <p:cNvPr id="20" name="CuadroTexto 18">
-                <a:extLst>
-                  <a:ext uri="{FF2B5EF4-FFF2-40B4-BE49-F238E27FC236}">
-                    <a16:creationId xmlns:a16="http://schemas.microsoft.com/office/drawing/2014/main" id="{803A80EB-BB2A-47B3-98BB-71B16D01149F}"/>
-                  </a:ext>
-                </a:extLst>
-              </p:cNvPr>
-              <p:cNvSpPr txBox="1"/>
-              <p:nvPr/>
-            </p:nvSpPr>
-            <p:spPr>
-              <a:xfrm>
-                <a:off x="2458064" y="-1248773"/>
-                <a:ext cx="668655" cy="398780"/>
-              </a:xfrm>
-              <a:prstGeom prst="rect">
-                <a:avLst/>
-              </a:prstGeom>
-              <a:noFill/>
-              <a:ln w="19050">
-                <a:noFill/>
-              </a:ln>
-            </p:spPr>
-            <p:style>
-              <a:lnRef idx="2">
-                <a:schemeClr val="accent5">
-                  <a:shade val="50000"/>
-                </a:schemeClr>
-              </a:lnRef>
-              <a:fillRef idx="1">
-                <a:schemeClr val="accent5"/>
-              </a:fillRef>
-              <a:effectRef idx="0">
-                <a:schemeClr val="accent5"/>
-              </a:effectRef>
-              <a:fontRef idx="minor">
-                <a:schemeClr val="lt1"/>
-              </a:fontRef>
-            </p:style>
-            <p:txBody>
-              <a:bodyPr wrap="square" rtlCol="0">
-                <a:noAutofit/>
-              </a:bodyPr>
-              <a:lstStyle/>
-              <a:p>
-                <a:pPr algn="ctr">
-                  <a:lnSpc>
-                    <a:spcPct val="107000"/>
-                  </a:lnSpc>
-                  <a:spcAft>
-                    <a:spcPts val="800"/>
-                  </a:spcAft>
-                </a:pPr>
-                <a:r>
-                  <a:rPr lang="en-US" sz="2000" kern="1200">
-                    <a:solidFill>
-                      <a:srgbClr val="000000"/>
-                    </a:solidFill>
-                    <a:effectLst/>
-                    <a:latin typeface="Cambria Math" panose="02040503050406030204" pitchFamily="18" charset="0"/>
-                    <a:ea typeface="Calibri" panose="020F0502020204030204" pitchFamily="34" charset="0"/>
-                    <a:cs typeface="Times New Roman" panose="02020603050405020304" pitchFamily="18" charset="0"/>
-                  </a:rPr>
-                  <a:t>No</a:t>
-                </a:r>
-                <a:endParaRPr lang="es-ES" sz="1600">
-                  <a:effectLst/>
-                  <a:ea typeface="Calibri" panose="020F0502020204030204" pitchFamily="34" charset="0"/>
-                  <a:cs typeface="Times New Roman" panose="02020603050405020304" pitchFamily="18" charset="0"/>
-                </a:endParaRPr>
-              </a:p>
-            </p:txBody>
-          </p:sp>
-          <p:sp>
-            <p:nvSpPr>
-              <p:cNvPr id="21" name="CuadroTexto 19">
-                <a:extLst>
-                  <a:ext uri="{FF2B5EF4-FFF2-40B4-BE49-F238E27FC236}">
-                    <a16:creationId xmlns:a16="http://schemas.microsoft.com/office/drawing/2014/main" id="{684DD3F2-3BBE-431D-80C0-7072A6A9B5DA}"/>
-                  </a:ext>
-                </a:extLst>
-              </p:cNvPr>
-              <p:cNvSpPr txBox="1"/>
-              <p:nvPr/>
-            </p:nvSpPr>
-            <p:spPr>
-              <a:xfrm>
-                <a:off x="3369811" y="-700488"/>
-                <a:ext cx="668020" cy="398780"/>
-              </a:xfrm>
-              <a:prstGeom prst="rect">
-                <a:avLst/>
-              </a:prstGeom>
-              <a:noFill/>
-              <a:ln w="19050">
-                <a:noFill/>
-              </a:ln>
-            </p:spPr>
-            <p:style>
-              <a:lnRef idx="2">
-                <a:schemeClr val="accent5">
-                  <a:shade val="50000"/>
-                </a:schemeClr>
-              </a:lnRef>
-              <a:fillRef idx="1">
-                <a:schemeClr val="accent5"/>
-              </a:fillRef>
-              <a:effectRef idx="0">
-                <a:schemeClr val="accent5"/>
-              </a:effectRef>
-              <a:fontRef idx="minor">
-                <a:schemeClr val="lt1"/>
-              </a:fontRef>
-            </p:style>
-            <p:txBody>
-              <a:bodyPr wrap="square" rtlCol="0">
-                <a:noAutofit/>
-              </a:bodyPr>
-              <a:lstStyle/>
-              <a:p>
-                <a:pPr algn="ctr">
-                  <a:lnSpc>
-                    <a:spcPct val="107000"/>
-                  </a:lnSpc>
-                  <a:spcAft>
-                    <a:spcPts val="800"/>
-                  </a:spcAft>
-                </a:pPr>
-                <a:r>
-                  <a:rPr lang="es-ES" sz="2000" kern="1200">
-                    <a:solidFill>
-                      <a:srgbClr val="000000"/>
-                    </a:solidFill>
-                    <a:effectLst/>
-                    <a:latin typeface="Cambria Math" panose="02040503050406030204" pitchFamily="18" charset="0"/>
-                    <a:ea typeface="Calibri" panose="020F0502020204030204" pitchFamily="34" charset="0"/>
-                    <a:cs typeface="Times New Roman" panose="02020603050405020304" pitchFamily="18" charset="0"/>
-                  </a:rPr>
-                  <a:t>Sí</a:t>
-                </a:r>
-                <a:endParaRPr lang="es-ES" sz="1600">
-                  <a:effectLst/>
-                  <a:ea typeface="Calibri" panose="020F0502020204030204" pitchFamily="34" charset="0"/>
-                  <a:cs typeface="Times New Roman" panose="02020603050405020304" pitchFamily="18" charset="0"/>
-                </a:endParaRPr>
-              </a:p>
-            </p:txBody>
-          </p:sp>
         </p:grpSp>
-        <p:cxnSp>
-          <p:nvCxnSpPr>
-            <p:cNvPr id="6" name="Conector: angular 5">
-              <a:extLst>
-                <a:ext uri="{FF2B5EF4-FFF2-40B4-BE49-F238E27FC236}">
-                  <a16:creationId xmlns:a16="http://schemas.microsoft.com/office/drawing/2014/main" id="{4C16B1D3-8659-423B-8340-8771254F8E23}"/>
-                </a:ext>
-              </a:extLst>
-            </p:cNvPr>
-            <p:cNvCxnSpPr>
-              <a:stCxn id="12" idx="0"/>
-              <a:endCxn id="13" idx="1"/>
-            </p:cNvCxnSpPr>
-            <p:nvPr/>
-          </p:nvCxnSpPr>
-          <p:spPr>
-            <a:xfrm rot="5400000" flipH="1" flipV="1">
-              <a:off x="2154588" y="1093357"/>
-              <a:ext cx="373467" cy="704962"/>
-            </a:xfrm>
-            <a:prstGeom prst="bentConnector2">
-              <a:avLst/>
-            </a:prstGeom>
-            <a:ln w="19050">
-              <a:solidFill>
-                <a:schemeClr val="tx1"/>
-              </a:solidFill>
-              <a:tailEnd type="triangle" w="lg" len="lg"/>
-            </a:ln>
-          </p:spPr>
-          <p:style>
-            <a:lnRef idx="1">
-              <a:schemeClr val="accent1"/>
-            </a:lnRef>
-            <a:fillRef idx="0">
-              <a:schemeClr val="accent1"/>
-            </a:fillRef>
-            <a:effectRef idx="0">
-              <a:schemeClr val="accent1"/>
-            </a:effectRef>
-            <a:fontRef idx="minor">
-              <a:schemeClr val="tx1"/>
-            </a:fontRef>
-          </p:style>
-        </p:cxnSp>
       </p:grpSp>
     </p:spTree>
     <p:extLst>
